--- a/企画書もどき.pptx
+++ b/企画書もどき.pptx
@@ -265,7 +265,7 @@
           <a:p>
             <a:fld id="{F0B1327D-CF30-47E1-A2E3-5A8813B6EC63}" type="datetimeFigureOut">
               <a:rPr kumimoji="1" lang="ja-JP" altLang="en-US" smtClean="0"/>
-              <a:t>2019/3/24</a:t>
+              <a:t>2019/3/25</a:t>
             </a:fld>
             <a:endParaRPr kumimoji="1" lang="ja-JP" altLang="en-US" dirty="0"/>
           </a:p>
@@ -467,7 +467,7 @@
           <a:p>
             <a:fld id="{F0B1327D-CF30-47E1-A2E3-5A8813B6EC63}" type="datetimeFigureOut">
               <a:rPr kumimoji="1" lang="ja-JP" altLang="en-US" smtClean="0"/>
-              <a:t>2019/3/24</a:t>
+              <a:t>2019/3/25</a:t>
             </a:fld>
             <a:endParaRPr kumimoji="1" lang="ja-JP" altLang="en-US" dirty="0"/>
           </a:p>
@@ -679,7 +679,7 @@
           <a:p>
             <a:fld id="{F0B1327D-CF30-47E1-A2E3-5A8813B6EC63}" type="datetimeFigureOut">
               <a:rPr kumimoji="1" lang="ja-JP" altLang="en-US" smtClean="0"/>
-              <a:t>2019/3/24</a:t>
+              <a:t>2019/3/25</a:t>
             </a:fld>
             <a:endParaRPr kumimoji="1" lang="ja-JP" altLang="en-US" dirty="0"/>
           </a:p>
@@ -881,7 +881,7 @@
           <a:p>
             <a:fld id="{F0B1327D-CF30-47E1-A2E3-5A8813B6EC63}" type="datetimeFigureOut">
               <a:rPr kumimoji="1" lang="ja-JP" altLang="en-US" smtClean="0"/>
-              <a:t>2019/3/24</a:t>
+              <a:t>2019/3/25</a:t>
             </a:fld>
             <a:endParaRPr kumimoji="1" lang="ja-JP" altLang="en-US" dirty="0"/>
           </a:p>
@@ -1127,7 +1127,7 @@
           <a:p>
             <a:fld id="{F0B1327D-CF30-47E1-A2E3-5A8813B6EC63}" type="datetimeFigureOut">
               <a:rPr kumimoji="1" lang="ja-JP" altLang="en-US" smtClean="0"/>
-              <a:t>2019/3/24</a:t>
+              <a:t>2019/3/25</a:t>
             </a:fld>
             <a:endParaRPr kumimoji="1" lang="ja-JP" altLang="en-US" dirty="0"/>
           </a:p>
@@ -1423,7 +1423,7 @@
           <a:p>
             <a:fld id="{F0B1327D-CF30-47E1-A2E3-5A8813B6EC63}" type="datetimeFigureOut">
               <a:rPr kumimoji="1" lang="ja-JP" altLang="en-US" smtClean="0"/>
-              <a:t>2019/3/24</a:t>
+              <a:t>2019/3/25</a:t>
             </a:fld>
             <a:endParaRPr kumimoji="1" lang="ja-JP" altLang="en-US" dirty="0"/>
           </a:p>
@@ -1854,7 +1854,7 @@
           <a:p>
             <a:fld id="{F0B1327D-CF30-47E1-A2E3-5A8813B6EC63}" type="datetimeFigureOut">
               <a:rPr kumimoji="1" lang="ja-JP" altLang="en-US" smtClean="0"/>
-              <a:t>2019/3/24</a:t>
+              <a:t>2019/3/25</a:t>
             </a:fld>
             <a:endParaRPr kumimoji="1" lang="ja-JP" altLang="en-US" dirty="0"/>
           </a:p>
@@ -1972,7 +1972,7 @@
           <a:p>
             <a:fld id="{F0B1327D-CF30-47E1-A2E3-5A8813B6EC63}" type="datetimeFigureOut">
               <a:rPr kumimoji="1" lang="ja-JP" altLang="en-US" smtClean="0"/>
-              <a:t>2019/3/24</a:t>
+              <a:t>2019/3/25</a:t>
             </a:fld>
             <a:endParaRPr kumimoji="1" lang="ja-JP" altLang="en-US" dirty="0"/>
           </a:p>
@@ -2067,7 +2067,7 @@
           <a:p>
             <a:fld id="{F0B1327D-CF30-47E1-A2E3-5A8813B6EC63}" type="datetimeFigureOut">
               <a:rPr kumimoji="1" lang="ja-JP" altLang="en-US" smtClean="0"/>
-              <a:t>2019/3/24</a:t>
+              <a:t>2019/3/25</a:t>
             </a:fld>
             <a:endParaRPr kumimoji="1" lang="ja-JP" altLang="en-US" dirty="0"/>
           </a:p>
@@ -2376,7 +2376,7 @@
           <a:p>
             <a:fld id="{F0B1327D-CF30-47E1-A2E3-5A8813B6EC63}" type="datetimeFigureOut">
               <a:rPr kumimoji="1" lang="ja-JP" altLang="en-US" smtClean="0"/>
-              <a:t>2019/3/24</a:t>
+              <a:t>2019/3/25</a:t>
             </a:fld>
             <a:endParaRPr kumimoji="1" lang="ja-JP" altLang="en-US" dirty="0"/>
           </a:p>
@@ -2629,7 +2629,7 @@
           <a:p>
             <a:fld id="{F0B1327D-CF30-47E1-A2E3-5A8813B6EC63}" type="datetimeFigureOut">
               <a:rPr kumimoji="1" lang="ja-JP" altLang="en-US" smtClean="0"/>
-              <a:t>2019/3/24</a:t>
+              <a:t>2019/3/25</a:t>
             </a:fld>
             <a:endParaRPr kumimoji="1" lang="ja-JP" altLang="en-US" dirty="0"/>
           </a:p>
@@ -2874,7 +2874,7 @@
           <a:p>
             <a:fld id="{F0B1327D-CF30-47E1-A2E3-5A8813B6EC63}" type="datetimeFigureOut">
               <a:rPr kumimoji="1" lang="ja-JP" altLang="en-US" smtClean="0"/>
-              <a:t>2019/3/24</a:t>
+              <a:t>2019/3/25</a:t>
             </a:fld>
             <a:endParaRPr kumimoji="1" lang="ja-JP" altLang="en-US" dirty="0"/>
           </a:p>
@@ -4260,7 +4260,23 @@
           <a:p>
             <a:r>
               <a:rPr lang="ja-JP" altLang="en-US" dirty="0" smtClean="0"/>
-              <a:t>・停止は急に止まらず若干前に動いてから止まる。</a:t>
+              <a:t>・停止は急に止まらず若干前に動いてから止まる</a:t>
+            </a:r>
+            <a:r>
+              <a:rPr lang="ja-JP" altLang="en-US" dirty="0" smtClean="0"/>
+              <a:t>。</a:t>
+            </a:r>
+            <a:r>
+              <a:rPr lang="en-US" altLang="ja-JP" dirty="0" smtClean="0"/>
+              <a:t>(</a:t>
+            </a:r>
+            <a:r>
+              <a:rPr lang="ja-JP" altLang="en-US" dirty="0" smtClean="0"/>
+              <a:t>これは優先度低め</a:t>
+            </a:r>
+            <a:r>
+              <a:rPr lang="en-US" altLang="ja-JP" dirty="0" smtClean="0"/>
+              <a:t>)</a:t>
             </a:r>
             <a:endParaRPr lang="en-US" altLang="ja-JP" dirty="0" smtClean="0"/>
           </a:p>
@@ -8266,13 +8282,34 @@
             </a:r>
           </a:p>
           <a:p>
+            <a:r>
+              <a:rPr lang="ja-JP" altLang="en-US" dirty="0" smtClean="0"/>
+              <a:t>オブジェクトにぶつかったら消滅</a:t>
+            </a:r>
+            <a:r>
+              <a:rPr lang="ja-JP" altLang="en-US" smtClean="0"/>
+              <a:t>。敵に当たればダメージを与えて消滅</a:t>
+            </a:r>
+            <a:endParaRPr lang="en-US" altLang="ja-JP" dirty="0" smtClean="0"/>
+          </a:p>
+          <a:p>
             <a:pPr marL="0" indent="0">
               <a:buNone/>
             </a:pPr>
             <a:r>
               <a:rPr lang="ja-JP" altLang="en-US" dirty="0" smtClean="0"/>
-              <a:t>基本的な動きはプレイヤーの向いている方向に弾を発射</a:t>
-            </a:r>
+              <a:t>基本的な動きはプレイヤーの向いている方向に弾を</a:t>
+            </a:r>
+            <a:r>
+              <a:rPr lang="ja-JP" altLang="en-US" dirty="0" smtClean="0"/>
+              <a:t>発射</a:t>
+            </a:r>
+            <a:endParaRPr lang="en-US" altLang="ja-JP" dirty="0" smtClean="0"/>
+          </a:p>
+          <a:p>
+            <a:pPr marL="0" indent="0">
+              <a:buNone/>
+            </a:pPr>
             <a:endParaRPr lang="en-US" altLang="ja-JP" dirty="0" smtClean="0"/>
           </a:p>
           <a:p>
@@ -8430,11 +8467,7 @@
           <a:p>
             <a:r>
               <a:rPr lang="ja-JP" altLang="en-US" dirty="0" smtClean="0"/>
-              <a:t>・</a:t>
-            </a:r>
-            <a:r>
-              <a:rPr lang="ja-JP" altLang="en-US" dirty="0" smtClean="0"/>
-              <a:t>スピード</a:t>
+              <a:t>・スピード</a:t>
             </a:r>
             <a:endParaRPr lang="en-US" altLang="ja-JP" dirty="0" smtClean="0"/>
           </a:p>
@@ -14301,11 +14334,7 @@
           <a:p>
             <a:r>
               <a:rPr kumimoji="1" lang="ja-JP" altLang="en-US" dirty="0" smtClean="0"/>
-              <a:t>・モンスターの</a:t>
-            </a:r>
-            <a:r>
-              <a:rPr kumimoji="1" lang="ja-JP" altLang="en-US" dirty="0" smtClean="0"/>
-              <a:t>名前</a:t>
+              <a:t>・モンスターの名前</a:t>
             </a:r>
             <a:endParaRPr kumimoji="1" lang="en-US" altLang="ja-JP" dirty="0" smtClean="0"/>
           </a:p>
@@ -14345,11 +14374,7 @@
           <a:p>
             <a:r>
               <a:rPr lang="ja-JP" altLang="en-US" dirty="0" smtClean="0"/>
-              <a:t>など</a:t>
-            </a:r>
-            <a:r>
-              <a:rPr lang="ja-JP" altLang="en-US" dirty="0" smtClean="0"/>
-              <a:t>のステータスも</a:t>
+              <a:t>などのステータスも</a:t>
             </a:r>
             <a:r>
               <a:rPr lang="en-US" altLang="ja-JP" dirty="0" smtClean="0"/>

--- a/企画書もどき.pptx
+++ b/企画書もどき.pptx
@@ -26,8 +26,13 @@
     <p:sldId id="273" r:id="rId20"/>
     <p:sldId id="274" r:id="rId21"/>
     <p:sldId id="275" r:id="rId22"/>
-    <p:sldId id="276" r:id="rId23"/>
-    <p:sldId id="277" r:id="rId24"/>
+    <p:sldId id="281" r:id="rId23"/>
+    <p:sldId id="282" r:id="rId24"/>
+    <p:sldId id="283" r:id="rId25"/>
+    <p:sldId id="284" r:id="rId26"/>
+    <p:sldId id="285" r:id="rId27"/>
+    <p:sldId id="276" r:id="rId28"/>
+    <p:sldId id="277" r:id="rId29"/>
   </p:sldIdLst>
   <p:sldSz cx="12192000" cy="6858000"/>
   <p:notesSz cx="6858000" cy="9144000"/>
@@ -265,7 +270,7 @@
           <a:p>
             <a:fld id="{F0B1327D-CF30-47E1-A2E3-5A8813B6EC63}" type="datetimeFigureOut">
               <a:rPr kumimoji="1" lang="ja-JP" altLang="en-US" smtClean="0"/>
-              <a:t>2019/3/25</a:t>
+              <a:t>2019/4/3</a:t>
             </a:fld>
             <a:endParaRPr kumimoji="1" lang="ja-JP" altLang="en-US" dirty="0"/>
           </a:p>
@@ -467,7 +472,7 @@
           <a:p>
             <a:fld id="{F0B1327D-CF30-47E1-A2E3-5A8813B6EC63}" type="datetimeFigureOut">
               <a:rPr kumimoji="1" lang="ja-JP" altLang="en-US" smtClean="0"/>
-              <a:t>2019/3/25</a:t>
+              <a:t>2019/4/3</a:t>
             </a:fld>
             <a:endParaRPr kumimoji="1" lang="ja-JP" altLang="en-US" dirty="0"/>
           </a:p>
@@ -679,7 +684,7 @@
           <a:p>
             <a:fld id="{F0B1327D-CF30-47E1-A2E3-5A8813B6EC63}" type="datetimeFigureOut">
               <a:rPr kumimoji="1" lang="ja-JP" altLang="en-US" smtClean="0"/>
-              <a:t>2019/3/25</a:t>
+              <a:t>2019/4/3</a:t>
             </a:fld>
             <a:endParaRPr kumimoji="1" lang="ja-JP" altLang="en-US" dirty="0"/>
           </a:p>
@@ -881,7 +886,7 @@
           <a:p>
             <a:fld id="{F0B1327D-CF30-47E1-A2E3-5A8813B6EC63}" type="datetimeFigureOut">
               <a:rPr kumimoji="1" lang="ja-JP" altLang="en-US" smtClean="0"/>
-              <a:t>2019/3/25</a:t>
+              <a:t>2019/4/3</a:t>
             </a:fld>
             <a:endParaRPr kumimoji="1" lang="ja-JP" altLang="en-US" dirty="0"/>
           </a:p>
@@ -1127,7 +1132,7 @@
           <a:p>
             <a:fld id="{F0B1327D-CF30-47E1-A2E3-5A8813B6EC63}" type="datetimeFigureOut">
               <a:rPr kumimoji="1" lang="ja-JP" altLang="en-US" smtClean="0"/>
-              <a:t>2019/3/25</a:t>
+              <a:t>2019/4/3</a:t>
             </a:fld>
             <a:endParaRPr kumimoji="1" lang="ja-JP" altLang="en-US" dirty="0"/>
           </a:p>
@@ -1423,7 +1428,7 @@
           <a:p>
             <a:fld id="{F0B1327D-CF30-47E1-A2E3-5A8813B6EC63}" type="datetimeFigureOut">
               <a:rPr kumimoji="1" lang="ja-JP" altLang="en-US" smtClean="0"/>
-              <a:t>2019/3/25</a:t>
+              <a:t>2019/4/3</a:t>
             </a:fld>
             <a:endParaRPr kumimoji="1" lang="ja-JP" altLang="en-US" dirty="0"/>
           </a:p>
@@ -1854,7 +1859,7 @@
           <a:p>
             <a:fld id="{F0B1327D-CF30-47E1-A2E3-5A8813B6EC63}" type="datetimeFigureOut">
               <a:rPr kumimoji="1" lang="ja-JP" altLang="en-US" smtClean="0"/>
-              <a:t>2019/3/25</a:t>
+              <a:t>2019/4/3</a:t>
             </a:fld>
             <a:endParaRPr kumimoji="1" lang="ja-JP" altLang="en-US" dirty="0"/>
           </a:p>
@@ -1972,7 +1977,7 @@
           <a:p>
             <a:fld id="{F0B1327D-CF30-47E1-A2E3-5A8813B6EC63}" type="datetimeFigureOut">
               <a:rPr kumimoji="1" lang="ja-JP" altLang="en-US" smtClean="0"/>
-              <a:t>2019/3/25</a:t>
+              <a:t>2019/4/3</a:t>
             </a:fld>
             <a:endParaRPr kumimoji="1" lang="ja-JP" altLang="en-US" dirty="0"/>
           </a:p>
@@ -2067,7 +2072,7 @@
           <a:p>
             <a:fld id="{F0B1327D-CF30-47E1-A2E3-5A8813B6EC63}" type="datetimeFigureOut">
               <a:rPr kumimoji="1" lang="ja-JP" altLang="en-US" smtClean="0"/>
-              <a:t>2019/3/25</a:t>
+              <a:t>2019/4/3</a:t>
             </a:fld>
             <a:endParaRPr kumimoji="1" lang="ja-JP" altLang="en-US" dirty="0"/>
           </a:p>
@@ -2376,7 +2381,7 @@
           <a:p>
             <a:fld id="{F0B1327D-CF30-47E1-A2E3-5A8813B6EC63}" type="datetimeFigureOut">
               <a:rPr kumimoji="1" lang="ja-JP" altLang="en-US" smtClean="0"/>
-              <a:t>2019/3/25</a:t>
+              <a:t>2019/4/3</a:t>
             </a:fld>
             <a:endParaRPr kumimoji="1" lang="ja-JP" altLang="en-US" dirty="0"/>
           </a:p>
@@ -2629,7 +2634,7 @@
           <a:p>
             <a:fld id="{F0B1327D-CF30-47E1-A2E3-5A8813B6EC63}" type="datetimeFigureOut">
               <a:rPr kumimoji="1" lang="ja-JP" altLang="en-US" smtClean="0"/>
-              <a:t>2019/3/25</a:t>
+              <a:t>2019/4/3</a:t>
             </a:fld>
             <a:endParaRPr kumimoji="1" lang="ja-JP" altLang="en-US" dirty="0"/>
           </a:p>
@@ -2874,7 +2879,7 @@
           <a:p>
             <a:fld id="{F0B1327D-CF30-47E1-A2E3-5A8813B6EC63}" type="datetimeFigureOut">
               <a:rPr kumimoji="1" lang="ja-JP" altLang="en-US" smtClean="0"/>
-              <a:t>2019/3/25</a:t>
+              <a:t>2019/4/3</a:t>
             </a:fld>
             <a:endParaRPr kumimoji="1" lang="ja-JP" altLang="en-US" dirty="0"/>
           </a:p>
@@ -4260,11 +4265,7 @@
           <a:p>
             <a:r>
               <a:rPr lang="ja-JP" altLang="en-US" dirty="0" smtClean="0"/>
-              <a:t>・停止は急に止まらず若干前に動いてから止まる</a:t>
-            </a:r>
-            <a:r>
-              <a:rPr lang="ja-JP" altLang="en-US" dirty="0" smtClean="0"/>
-              <a:t>。</a:t>
+              <a:t>・停止は急に止まらず若干前に動いてから止まる。</a:t>
             </a:r>
             <a:r>
               <a:rPr lang="en-US" altLang="ja-JP" dirty="0" smtClean="0"/>
@@ -4278,7 +4279,6 @@
               <a:rPr lang="en-US" altLang="ja-JP" dirty="0" smtClean="0"/>
               <a:t>)</a:t>
             </a:r>
-            <a:endParaRPr lang="en-US" altLang="ja-JP" dirty="0" smtClean="0"/>
           </a:p>
           <a:p>
             <a:r>
@@ -8298,11 +8298,7 @@
             </a:pPr>
             <a:r>
               <a:rPr lang="ja-JP" altLang="en-US" dirty="0" smtClean="0"/>
-              <a:t>基本的な動きはプレイヤーの向いている方向に弾を</a:t>
-            </a:r>
-            <a:r>
-              <a:rPr lang="ja-JP" altLang="en-US" dirty="0" smtClean="0"/>
-              <a:t>発射</a:t>
+              <a:t>基本的な動きはプレイヤーの向いている方向に弾を発射</a:t>
             </a:r>
             <a:endParaRPr lang="en-US" altLang="ja-JP" dirty="0" smtClean="0"/>
           </a:p>
@@ -8379,7 +8375,7 @@
         </p:nvSpPr>
         <p:spPr>
           <a:xfrm>
-            <a:off x="2074333" y="1566333"/>
+            <a:off x="2083569" y="1690688"/>
             <a:ext cx="7450667" cy="2308324"/>
           </a:xfrm>
           <a:prstGeom prst="rect">
@@ -8481,7 +8477,7 @@
         </p:nvGrpSpPr>
         <p:grpSpPr>
           <a:xfrm flipH="1">
-            <a:off x="6599175" y="2351342"/>
+            <a:off x="6626884" y="2388287"/>
             <a:ext cx="1852096" cy="1523315"/>
             <a:chOff x="1423734" y="2044913"/>
             <a:chExt cx="2253227" cy="2660290"/>
@@ -14457,6 +14453,572 @@
       </p:grpSpPr>
       <p:sp>
         <p:nvSpPr>
+          <p:cNvPr id="4" name="タイトル 1"/>
+          <p:cNvSpPr>
+            <a:spLocks noGrp="1"/>
+          </p:cNvSpPr>
+          <p:nvPr>
+            <p:ph type="title"/>
+          </p:nvPr>
+        </p:nvSpPr>
+        <p:spPr>
+          <a:xfrm>
+            <a:off x="931333" y="2600325"/>
+            <a:ext cx="10515600" cy="1251239"/>
+          </a:xfrm>
+        </p:spPr>
+        <p:txBody>
+          <a:bodyPr>
+            <a:normAutofit/>
+          </a:bodyPr>
+          <a:lstStyle/>
+          <a:p>
+            <a:pPr algn="ctr"/>
+            <a:r>
+              <a:rPr kumimoji="1" lang="ja-JP" altLang="en-US" dirty="0" smtClean="0">
+                <a:latin typeface="メイリオ" panose="020B0604030504040204" pitchFamily="50" charset="-128"/>
+                <a:ea typeface="メイリオ" panose="020B0604030504040204" pitchFamily="50" charset="-128"/>
+              </a:rPr>
+              <a:t>敵の仕様</a:t>
+            </a:r>
+            <a:endParaRPr kumimoji="1" lang="ja-JP" altLang="en-US" dirty="0">
+              <a:latin typeface="メイリオ" panose="020B0604030504040204" pitchFamily="50" charset="-128"/>
+              <a:ea typeface="メイリオ" panose="020B0604030504040204" pitchFamily="50" charset="-128"/>
+            </a:endParaRPr>
+          </a:p>
+        </p:txBody>
+      </p:sp>
+    </p:spTree>
+    <p:extLst>
+      <p:ext uri="{BB962C8B-B14F-4D97-AF65-F5344CB8AC3E}">
+        <p14:creationId xmlns:p14="http://schemas.microsoft.com/office/powerpoint/2010/main" val="1293306236"/>
+      </p:ext>
+    </p:extLst>
+  </p:cSld>
+  <p:clrMapOvr>
+    <a:masterClrMapping/>
+  </p:clrMapOvr>
+</p:sld>
+</file>
+
+<file path=ppt/slides/slide23.xml><?xml version="1.0" encoding="utf-8"?>
+<p:sld xmlns:a="http://schemas.openxmlformats.org/drawingml/2006/main" xmlns:r="http://schemas.openxmlformats.org/officeDocument/2006/relationships" xmlns:p="http://schemas.openxmlformats.org/presentationml/2006/main">
+  <p:cSld>
+    <p:spTree>
+      <p:nvGrpSpPr>
+        <p:cNvPr id="1" name=""/>
+        <p:cNvGrpSpPr/>
+        <p:nvPr/>
+      </p:nvGrpSpPr>
+      <p:grpSpPr>
+        <a:xfrm>
+          <a:off x="0" y="0"/>
+          <a:ext cx="0" cy="0"/>
+          <a:chOff x="0" y="0"/>
+          <a:chExt cx="0" cy="0"/>
+        </a:xfrm>
+      </p:grpSpPr>
+      <p:sp>
+        <p:nvSpPr>
+          <p:cNvPr id="2" name="タイトル 1"/>
+          <p:cNvSpPr>
+            <a:spLocks noGrp="1"/>
+          </p:cNvSpPr>
+          <p:nvPr>
+            <p:ph type="title"/>
+          </p:nvPr>
+        </p:nvSpPr>
+        <p:spPr>
+          <a:xfrm>
+            <a:off x="838200" y="370753"/>
+            <a:ext cx="10515600" cy="1325563"/>
+          </a:xfrm>
+        </p:spPr>
+        <p:txBody>
+          <a:bodyPr/>
+          <a:lstStyle/>
+          <a:p>
+            <a:pPr algn="ctr"/>
+            <a:r>
+              <a:rPr kumimoji="1" lang="ja-JP" altLang="en-US" dirty="0" smtClean="0"/>
+              <a:t>敵</a:t>
+            </a:r>
+            <a:endParaRPr kumimoji="1" lang="ja-JP" altLang="en-US" dirty="0"/>
+          </a:p>
+        </p:txBody>
+      </p:sp>
+      <p:sp>
+        <p:nvSpPr>
+          <p:cNvPr id="3" name="コンテンツ プレースホルダー 2"/>
+          <p:cNvSpPr>
+            <a:spLocks noGrp="1"/>
+          </p:cNvSpPr>
+          <p:nvPr>
+            <p:ph idx="1"/>
+          </p:nvPr>
+        </p:nvSpPr>
+        <p:spPr>
+          <a:xfrm>
+            <a:off x="838200" y="1530061"/>
+            <a:ext cx="10515600" cy="4351338"/>
+          </a:xfrm>
+        </p:spPr>
+        <p:txBody>
+          <a:bodyPr/>
+          <a:lstStyle/>
+          <a:p>
+            <a:r>
+              <a:rPr lang="ja-JP" altLang="en-US" dirty="0" smtClean="0"/>
+              <a:t>普通にステージ内で横移動するタイプ</a:t>
+            </a:r>
+            <a:endParaRPr lang="en-US" altLang="ja-JP" dirty="0" smtClean="0"/>
+          </a:p>
+          <a:p>
+            <a:r>
+              <a:rPr lang="ja-JP" altLang="en-US" dirty="0" smtClean="0"/>
+              <a:t>プレイヤーの方向に向かって接近してくるタイプ</a:t>
+            </a:r>
+            <a:endParaRPr lang="en-US" altLang="ja-JP" dirty="0" smtClean="0"/>
+          </a:p>
+          <a:p>
+            <a:r>
+              <a:rPr lang="ja-JP" altLang="en-US" dirty="0" smtClean="0"/>
+              <a:t>遠距離からプレイヤーを攻撃してくるタイプ</a:t>
+            </a:r>
+            <a:endParaRPr lang="en-US" altLang="ja-JP" dirty="0" smtClean="0"/>
+          </a:p>
+          <a:p>
+            <a:pPr marL="0" indent="0">
+              <a:buNone/>
+            </a:pPr>
+            <a:endParaRPr lang="en-US" altLang="ja-JP" dirty="0"/>
+          </a:p>
+          <a:p>
+            <a:pPr marL="0" indent="0">
+              <a:buNone/>
+            </a:pPr>
+            <a:r>
+              <a:rPr lang="ja-JP" altLang="en-US" dirty="0" smtClean="0"/>
+              <a:t>プロ</a:t>
+            </a:r>
+            <a:r>
+              <a:rPr lang="ja-JP" altLang="en-US" dirty="0"/>
+              <a:t>ト</a:t>
+            </a:r>
+            <a:r>
+              <a:rPr lang="ja-JP" altLang="en-US" dirty="0" smtClean="0"/>
+              <a:t>タイプでは</a:t>
+            </a:r>
+            <a:r>
+              <a:rPr lang="en-US" altLang="ja-JP" dirty="0" smtClean="0"/>
+              <a:t>3</a:t>
+            </a:r>
+            <a:r>
+              <a:rPr lang="ja-JP" altLang="en-US" dirty="0" smtClean="0"/>
+              <a:t>種類の敵が存在する。</a:t>
+            </a:r>
+            <a:endParaRPr lang="en-US" altLang="ja-JP" dirty="0" smtClean="0"/>
+          </a:p>
+          <a:p>
+            <a:pPr marL="0" indent="0">
+              <a:buNone/>
+            </a:pPr>
+            <a:r>
+              <a:rPr lang="ja-JP" altLang="en-US" dirty="0" smtClean="0"/>
+              <a:t>プレイヤーは敵接触するとダメージを受ける</a:t>
+            </a:r>
+            <a:endParaRPr lang="en-US" altLang="ja-JP" dirty="0" smtClean="0"/>
+          </a:p>
+        </p:txBody>
+      </p:sp>
+    </p:spTree>
+    <p:extLst>
+      <p:ext uri="{BB962C8B-B14F-4D97-AF65-F5344CB8AC3E}">
+        <p14:creationId xmlns:p14="http://schemas.microsoft.com/office/powerpoint/2010/main" val="494192617"/>
+      </p:ext>
+    </p:extLst>
+  </p:cSld>
+  <p:clrMapOvr>
+    <a:masterClrMapping/>
+  </p:clrMapOvr>
+</p:sld>
+</file>
+
+<file path=ppt/slides/slide24.xml><?xml version="1.0" encoding="utf-8"?>
+<p:sld xmlns:a="http://schemas.openxmlformats.org/drawingml/2006/main" xmlns:r="http://schemas.openxmlformats.org/officeDocument/2006/relationships" xmlns:p="http://schemas.openxmlformats.org/presentationml/2006/main">
+  <p:cSld>
+    <p:spTree>
+      <p:nvGrpSpPr>
+        <p:cNvPr id="1" name=""/>
+        <p:cNvGrpSpPr/>
+        <p:nvPr/>
+      </p:nvGrpSpPr>
+      <p:grpSpPr>
+        <a:xfrm>
+          <a:off x="0" y="0"/>
+          <a:ext cx="0" cy="0"/>
+          <a:chOff x="0" y="0"/>
+          <a:chExt cx="0" cy="0"/>
+        </a:xfrm>
+      </p:grpSpPr>
+      <p:sp>
+        <p:nvSpPr>
+          <p:cNvPr id="2" name="タイトル 1"/>
+          <p:cNvSpPr>
+            <a:spLocks noGrp="1"/>
+          </p:cNvSpPr>
+          <p:nvPr>
+            <p:ph type="title"/>
+          </p:nvPr>
+        </p:nvSpPr>
+        <p:spPr>
+          <a:xfrm>
+            <a:off x="838200" y="337415"/>
+            <a:ext cx="10515600" cy="1325563"/>
+          </a:xfrm>
+        </p:spPr>
+        <p:txBody>
+          <a:bodyPr/>
+          <a:lstStyle/>
+          <a:p>
+            <a:pPr algn="ctr"/>
+            <a:r>
+              <a:rPr kumimoji="1" lang="ja-JP" altLang="en-US" dirty="0" smtClean="0"/>
+              <a:t>ステージ内を横移動するタイプの敵</a:t>
+            </a:r>
+            <a:endParaRPr kumimoji="1" lang="ja-JP" altLang="en-US" dirty="0"/>
+          </a:p>
+        </p:txBody>
+      </p:sp>
+      <p:sp>
+        <p:nvSpPr>
+          <p:cNvPr id="3" name="コンテンツ プレースホルダー 2"/>
+          <p:cNvSpPr>
+            <a:spLocks noGrp="1"/>
+          </p:cNvSpPr>
+          <p:nvPr>
+            <p:ph idx="1"/>
+          </p:nvPr>
+        </p:nvSpPr>
+        <p:spPr>
+          <a:xfrm>
+            <a:off x="838200" y="1825625"/>
+            <a:ext cx="10515600" cy="501939"/>
+          </a:xfrm>
+        </p:spPr>
+        <p:txBody>
+          <a:bodyPr/>
+          <a:lstStyle/>
+          <a:p>
+            <a:r>
+              <a:rPr lang="ja-JP" altLang="en-US" dirty="0"/>
+              <a:t>段差</a:t>
+            </a:r>
+            <a:r>
+              <a:rPr lang="ja-JP" altLang="en-US" dirty="0" smtClean="0"/>
+              <a:t>にぶつかると逆方向に向かって移動する</a:t>
+            </a:r>
+            <a:endParaRPr lang="en-US" altLang="ja-JP" dirty="0" smtClean="0"/>
+          </a:p>
+          <a:p>
+            <a:pPr marL="0" indent="0">
+              <a:buNone/>
+            </a:pPr>
+            <a:endParaRPr lang="en-US" altLang="ja-JP" dirty="0"/>
+          </a:p>
+          <a:p>
+            <a:pPr marL="0" indent="0">
+              <a:buNone/>
+            </a:pPr>
+            <a:endParaRPr lang="en-US" altLang="ja-JP" dirty="0" smtClean="0"/>
+          </a:p>
+          <a:p>
+            <a:pPr marL="0" indent="0">
+              <a:buNone/>
+            </a:pPr>
+            <a:endParaRPr kumimoji="1" lang="ja-JP" altLang="en-US" dirty="0"/>
+          </a:p>
+        </p:txBody>
+      </p:sp>
+      <p:pic>
+        <p:nvPicPr>
+          <p:cNvPr id="4" name="図 3" descr="Koopa (species) - Super Mario Wiki, the Mario encyclopedia"/>
+          <p:cNvPicPr>
+            <a:picLocks noChangeAspect="1"/>
+          </p:cNvPicPr>
+          <p:nvPr/>
+        </p:nvPicPr>
+        <p:blipFill>
+          <a:blip r:embed="rId2">
+            <a:extLst>
+              <a:ext uri="{28A0092B-C50C-407E-A947-70E740481C1C}">
+                <a14:useLocalDpi xmlns:a14="http://schemas.microsoft.com/office/drawing/2010/main" val="0"/>
+              </a:ext>
+            </a:extLst>
+          </a:blip>
+          <a:stretch>
+            <a:fillRect/>
+          </a:stretch>
+        </p:blipFill>
+        <p:spPr>
+          <a:xfrm>
+            <a:off x="8574821" y="1462321"/>
+            <a:ext cx="1418925" cy="2267428"/>
+          </a:xfrm>
+          <a:prstGeom prst="rect">
+            <a:avLst/>
+          </a:prstGeom>
+        </p:spPr>
+      </p:pic>
+      <p:sp>
+        <p:nvSpPr>
+          <p:cNvPr id="5" name="テキスト ボックス 4"/>
+          <p:cNvSpPr txBox="1"/>
+          <p:nvPr/>
+        </p:nvSpPr>
+        <p:spPr>
+          <a:xfrm>
+            <a:off x="8118764" y="3707730"/>
+            <a:ext cx="2022764" cy="369332"/>
+          </a:xfrm>
+          <a:prstGeom prst="rect">
+            <a:avLst/>
+          </a:prstGeom>
+          <a:noFill/>
+        </p:spPr>
+        <p:txBody>
+          <a:bodyPr wrap="square" rtlCol="0">
+            <a:spAutoFit/>
+          </a:bodyPr>
+          <a:lstStyle/>
+          <a:p>
+            <a:r>
+              <a:rPr kumimoji="1" lang="ja-JP" altLang="en-US" dirty="0" smtClean="0"/>
+              <a:t>ノコノコ的な感じ</a:t>
+            </a:r>
+            <a:endParaRPr kumimoji="1" lang="ja-JP" altLang="en-US" dirty="0"/>
+          </a:p>
+        </p:txBody>
+      </p:sp>
+    </p:spTree>
+    <p:extLst>
+      <p:ext uri="{BB962C8B-B14F-4D97-AF65-F5344CB8AC3E}">
+        <p14:creationId xmlns:p14="http://schemas.microsoft.com/office/powerpoint/2010/main" val="233915971"/>
+      </p:ext>
+    </p:extLst>
+  </p:cSld>
+  <p:clrMapOvr>
+    <a:masterClrMapping/>
+  </p:clrMapOvr>
+</p:sld>
+</file>
+
+<file path=ppt/slides/slide25.xml><?xml version="1.0" encoding="utf-8"?>
+<p:sld xmlns:a="http://schemas.openxmlformats.org/drawingml/2006/main" xmlns:r="http://schemas.openxmlformats.org/officeDocument/2006/relationships" xmlns:p="http://schemas.openxmlformats.org/presentationml/2006/main">
+  <p:cSld>
+    <p:spTree>
+      <p:nvGrpSpPr>
+        <p:cNvPr id="1" name=""/>
+        <p:cNvGrpSpPr/>
+        <p:nvPr/>
+      </p:nvGrpSpPr>
+      <p:grpSpPr>
+        <a:xfrm>
+          <a:off x="0" y="0"/>
+          <a:ext cx="0" cy="0"/>
+          <a:chOff x="0" y="0"/>
+          <a:chExt cx="0" cy="0"/>
+        </a:xfrm>
+      </p:grpSpPr>
+      <p:sp>
+        <p:nvSpPr>
+          <p:cNvPr id="2" name="タイトル 1"/>
+          <p:cNvSpPr>
+            <a:spLocks noGrp="1"/>
+          </p:cNvSpPr>
+          <p:nvPr>
+            <p:ph type="title"/>
+          </p:nvPr>
+        </p:nvSpPr>
+        <p:spPr>
+          <a:xfrm>
+            <a:off x="401204" y="235817"/>
+            <a:ext cx="11389592" cy="1325563"/>
+          </a:xfrm>
+        </p:spPr>
+        <p:txBody>
+          <a:bodyPr/>
+          <a:lstStyle/>
+          <a:p>
+            <a:r>
+              <a:rPr kumimoji="1" lang="ja-JP" altLang="en-US" dirty="0" smtClean="0"/>
+              <a:t>プレイヤーの方向に向かって攻撃してく</a:t>
+            </a:r>
+            <a:r>
+              <a:rPr lang="ja-JP" altLang="en-US" dirty="0" smtClean="0"/>
+              <a:t>る敵</a:t>
+            </a:r>
+            <a:endParaRPr kumimoji="1" lang="ja-JP" altLang="en-US" dirty="0"/>
+          </a:p>
+        </p:txBody>
+      </p:sp>
+      <p:sp>
+        <p:nvSpPr>
+          <p:cNvPr id="3" name="コンテンツ プレースホルダー 2"/>
+          <p:cNvSpPr>
+            <a:spLocks noGrp="1"/>
+          </p:cNvSpPr>
+          <p:nvPr>
+            <p:ph idx="1"/>
+          </p:nvPr>
+        </p:nvSpPr>
+        <p:spPr>
+          <a:xfrm>
+            <a:off x="838200" y="1561815"/>
+            <a:ext cx="10515600" cy="4351338"/>
+          </a:xfrm>
+        </p:spPr>
+        <p:txBody>
+          <a:bodyPr/>
+          <a:lstStyle/>
+          <a:p>
+            <a:r>
+              <a:rPr kumimoji="1" lang="ja-JP" altLang="en-US" dirty="0" smtClean="0"/>
+              <a:t>プレイヤーとの一定距離に入ったらプレイヤーの方向に向かってタックル、プレイヤーに当たったらプレイヤーはタックル方向に吹き飛ばされて、敵は後ろ方向に少し飛ばされる。</a:t>
+            </a:r>
+            <a:endParaRPr kumimoji="1" lang="ja-JP" altLang="en-US" dirty="0"/>
+          </a:p>
+        </p:txBody>
+      </p:sp>
+    </p:spTree>
+    <p:extLst>
+      <p:ext uri="{BB962C8B-B14F-4D97-AF65-F5344CB8AC3E}">
+        <p14:creationId xmlns:p14="http://schemas.microsoft.com/office/powerpoint/2010/main" val="510882607"/>
+      </p:ext>
+    </p:extLst>
+  </p:cSld>
+  <p:clrMapOvr>
+    <a:masterClrMapping/>
+  </p:clrMapOvr>
+</p:sld>
+</file>
+
+<file path=ppt/slides/slide26.xml><?xml version="1.0" encoding="utf-8"?>
+<p:sld xmlns:a="http://schemas.openxmlformats.org/drawingml/2006/main" xmlns:r="http://schemas.openxmlformats.org/officeDocument/2006/relationships" xmlns:p="http://schemas.openxmlformats.org/presentationml/2006/main">
+  <p:cSld>
+    <p:spTree>
+      <p:nvGrpSpPr>
+        <p:cNvPr id="1" name=""/>
+        <p:cNvGrpSpPr/>
+        <p:nvPr/>
+      </p:nvGrpSpPr>
+      <p:grpSpPr>
+        <a:xfrm>
+          <a:off x="0" y="0"/>
+          <a:ext cx="0" cy="0"/>
+          <a:chOff x="0" y="0"/>
+          <a:chExt cx="0" cy="0"/>
+        </a:xfrm>
+      </p:grpSpPr>
+      <p:sp>
+        <p:nvSpPr>
+          <p:cNvPr id="2" name="タイトル 1"/>
+          <p:cNvSpPr>
+            <a:spLocks noGrp="1"/>
+          </p:cNvSpPr>
+          <p:nvPr>
+            <p:ph type="title"/>
+          </p:nvPr>
+        </p:nvSpPr>
+        <p:spPr/>
+        <p:txBody>
+          <a:bodyPr>
+            <a:normAutofit fontScale="90000"/>
+          </a:bodyPr>
+          <a:lstStyle/>
+          <a:p>
+            <a:r>
+              <a:rPr lang="ja-JP" altLang="en-US" dirty="0"/>
+              <a:t>遠距離からプレイヤーを攻撃してくるタイプ</a:t>
+            </a:r>
+            <a:r>
+              <a:rPr lang="en-US" altLang="ja-JP" dirty="0"/>
+              <a:t/>
+            </a:r>
+            <a:br>
+              <a:rPr lang="en-US" altLang="ja-JP" dirty="0"/>
+            </a:br>
+            <a:endParaRPr kumimoji="1" lang="ja-JP" altLang="en-US" dirty="0"/>
+          </a:p>
+        </p:txBody>
+      </p:sp>
+      <p:sp>
+        <p:nvSpPr>
+          <p:cNvPr id="5" name="コンテンツ プレースホルダー 2"/>
+          <p:cNvSpPr>
+            <a:spLocks noGrp="1"/>
+          </p:cNvSpPr>
+          <p:nvPr>
+            <p:ph idx="1"/>
+          </p:nvPr>
+        </p:nvSpPr>
+        <p:spPr>
+          <a:xfrm>
+            <a:off x="838200" y="1345046"/>
+            <a:ext cx="10515600" cy="4351338"/>
+          </a:xfrm>
+        </p:spPr>
+        <p:txBody>
+          <a:bodyPr/>
+          <a:lstStyle/>
+          <a:p>
+            <a:r>
+              <a:rPr kumimoji="1" lang="ja-JP" altLang="en-US" dirty="0" smtClean="0"/>
+              <a:t>プレイヤーとの一定距離に入ったらプレイヤーの方向に向かって弾を発射プレイヤーに当たったらプレイヤーは後ろ方向に少し飛ばされる。</a:t>
+            </a:r>
+            <a:endParaRPr kumimoji="1" lang="en-US" altLang="ja-JP" dirty="0" smtClean="0"/>
+          </a:p>
+          <a:p>
+            <a:r>
+              <a:rPr lang="ja-JP" altLang="en-US" dirty="0" smtClean="0"/>
+              <a:t>敵の発射は一定時間で発射される。</a:t>
+            </a:r>
+            <a:endParaRPr kumimoji="1" lang="ja-JP" altLang="en-US" dirty="0"/>
+          </a:p>
+        </p:txBody>
+      </p:sp>
+    </p:spTree>
+    <p:extLst>
+      <p:ext uri="{BB962C8B-B14F-4D97-AF65-F5344CB8AC3E}">
+        <p14:creationId xmlns:p14="http://schemas.microsoft.com/office/powerpoint/2010/main" val="2626236020"/>
+      </p:ext>
+    </p:extLst>
+  </p:cSld>
+  <p:clrMapOvr>
+    <a:masterClrMapping/>
+  </p:clrMapOvr>
+</p:sld>
+</file>
+
+<file path=ppt/slides/slide27.xml><?xml version="1.0" encoding="utf-8"?>
+<p:sld xmlns:a="http://schemas.openxmlformats.org/drawingml/2006/main" xmlns:r="http://schemas.openxmlformats.org/officeDocument/2006/relationships" xmlns:p="http://schemas.openxmlformats.org/presentationml/2006/main">
+  <p:cSld>
+    <p:spTree>
+      <p:nvGrpSpPr>
+        <p:cNvPr id="1" name=""/>
+        <p:cNvGrpSpPr/>
+        <p:nvPr/>
+      </p:nvGrpSpPr>
+      <p:grpSpPr>
+        <a:xfrm>
+          <a:off x="0" y="0"/>
+          <a:ext cx="0" cy="0"/>
+          <a:chOff x="0" y="0"/>
+          <a:chExt cx="0" cy="0"/>
+        </a:xfrm>
+      </p:grpSpPr>
+      <p:sp>
+        <p:nvSpPr>
           <p:cNvPr id="5" name="タイトル 1"/>
           <p:cNvSpPr>
             <a:spLocks noGrp="1"/>
@@ -14503,7 +15065,7 @@
 </p:sld>
 </file>
 
-<file path=ppt/slides/slide23.xml><?xml version="1.0" encoding="utf-8"?>
+<file path=ppt/slides/slide28.xml><?xml version="1.0" encoding="utf-8"?>
 <p:sld xmlns:a="http://schemas.openxmlformats.org/drawingml/2006/main" xmlns:r="http://schemas.openxmlformats.org/officeDocument/2006/relationships" xmlns:p="http://schemas.openxmlformats.org/presentationml/2006/main">
   <p:cSld>
     <p:spTree>
@@ -14587,7 +15149,7 @@
           <a:lstStyle/>
           <a:p>
             <a:pPr algn="ctr"/>
-            <a:endParaRPr kumimoji="1" lang="ja-JP" altLang="en-US"/>
+            <a:endParaRPr kumimoji="1" lang="ja-JP" altLang="en-US" dirty="0"/>
           </a:p>
         </p:txBody>
       </p:sp>
@@ -14658,7 +15220,7 @@
           <a:lstStyle/>
           <a:p>
             <a:pPr algn="ctr"/>
-            <a:endParaRPr kumimoji="1" lang="ja-JP" altLang="en-US"/>
+            <a:endParaRPr kumimoji="1" lang="ja-JP" altLang="en-US" dirty="0"/>
           </a:p>
         </p:txBody>
       </p:sp>
@@ -14732,7 +15294,7 @@
           <a:lstStyle/>
           <a:p>
             <a:pPr algn="ctr"/>
-            <a:endParaRPr kumimoji="1" lang="ja-JP" altLang="en-US"/>
+            <a:endParaRPr kumimoji="1" lang="ja-JP" altLang="en-US" dirty="0"/>
           </a:p>
         </p:txBody>
       </p:sp>
@@ -14772,7 +15334,7 @@
           <a:lstStyle/>
           <a:p>
             <a:pPr algn="ctr"/>
-            <a:endParaRPr kumimoji="1" lang="ja-JP" altLang="en-US"/>
+            <a:endParaRPr kumimoji="1" lang="ja-JP" altLang="en-US" dirty="0"/>
           </a:p>
         </p:txBody>
       </p:sp>

--- a/企画書もどき.pptx
+++ b/企画書もどき.pptx
@@ -31,8 +31,9 @@
     <p:sldId id="283" r:id="rId25"/>
     <p:sldId id="284" r:id="rId26"/>
     <p:sldId id="285" r:id="rId27"/>
-    <p:sldId id="276" r:id="rId28"/>
-    <p:sldId id="277" r:id="rId29"/>
+    <p:sldId id="286" r:id="rId28"/>
+    <p:sldId id="276" r:id="rId29"/>
+    <p:sldId id="277" r:id="rId30"/>
   </p:sldIdLst>
   <p:sldSz cx="12192000" cy="6858000"/>
   <p:notesSz cx="6858000" cy="9144000"/>
@@ -270,7 +271,7 @@
           <a:p>
             <a:fld id="{F0B1327D-CF30-47E1-A2E3-5A8813B6EC63}" type="datetimeFigureOut">
               <a:rPr kumimoji="1" lang="ja-JP" altLang="en-US" smtClean="0"/>
-              <a:t>2019/4/3</a:t>
+              <a:t>2019/4/4</a:t>
             </a:fld>
             <a:endParaRPr kumimoji="1" lang="ja-JP" altLang="en-US" dirty="0"/>
           </a:p>
@@ -472,7 +473,7 @@
           <a:p>
             <a:fld id="{F0B1327D-CF30-47E1-A2E3-5A8813B6EC63}" type="datetimeFigureOut">
               <a:rPr kumimoji="1" lang="ja-JP" altLang="en-US" smtClean="0"/>
-              <a:t>2019/4/3</a:t>
+              <a:t>2019/4/4</a:t>
             </a:fld>
             <a:endParaRPr kumimoji="1" lang="ja-JP" altLang="en-US" dirty="0"/>
           </a:p>
@@ -684,7 +685,7 @@
           <a:p>
             <a:fld id="{F0B1327D-CF30-47E1-A2E3-5A8813B6EC63}" type="datetimeFigureOut">
               <a:rPr kumimoji="1" lang="ja-JP" altLang="en-US" smtClean="0"/>
-              <a:t>2019/4/3</a:t>
+              <a:t>2019/4/4</a:t>
             </a:fld>
             <a:endParaRPr kumimoji="1" lang="ja-JP" altLang="en-US" dirty="0"/>
           </a:p>
@@ -886,7 +887,7 @@
           <a:p>
             <a:fld id="{F0B1327D-CF30-47E1-A2E3-5A8813B6EC63}" type="datetimeFigureOut">
               <a:rPr kumimoji="1" lang="ja-JP" altLang="en-US" smtClean="0"/>
-              <a:t>2019/4/3</a:t>
+              <a:t>2019/4/4</a:t>
             </a:fld>
             <a:endParaRPr kumimoji="1" lang="ja-JP" altLang="en-US" dirty="0"/>
           </a:p>
@@ -1132,7 +1133,7 @@
           <a:p>
             <a:fld id="{F0B1327D-CF30-47E1-A2E3-5A8813B6EC63}" type="datetimeFigureOut">
               <a:rPr kumimoji="1" lang="ja-JP" altLang="en-US" smtClean="0"/>
-              <a:t>2019/4/3</a:t>
+              <a:t>2019/4/4</a:t>
             </a:fld>
             <a:endParaRPr kumimoji="1" lang="ja-JP" altLang="en-US" dirty="0"/>
           </a:p>
@@ -1428,7 +1429,7 @@
           <a:p>
             <a:fld id="{F0B1327D-CF30-47E1-A2E3-5A8813B6EC63}" type="datetimeFigureOut">
               <a:rPr kumimoji="1" lang="ja-JP" altLang="en-US" smtClean="0"/>
-              <a:t>2019/4/3</a:t>
+              <a:t>2019/4/4</a:t>
             </a:fld>
             <a:endParaRPr kumimoji="1" lang="ja-JP" altLang="en-US" dirty="0"/>
           </a:p>
@@ -1859,7 +1860,7 @@
           <a:p>
             <a:fld id="{F0B1327D-CF30-47E1-A2E3-5A8813B6EC63}" type="datetimeFigureOut">
               <a:rPr kumimoji="1" lang="ja-JP" altLang="en-US" smtClean="0"/>
-              <a:t>2019/4/3</a:t>
+              <a:t>2019/4/4</a:t>
             </a:fld>
             <a:endParaRPr kumimoji="1" lang="ja-JP" altLang="en-US" dirty="0"/>
           </a:p>
@@ -1977,7 +1978,7 @@
           <a:p>
             <a:fld id="{F0B1327D-CF30-47E1-A2E3-5A8813B6EC63}" type="datetimeFigureOut">
               <a:rPr kumimoji="1" lang="ja-JP" altLang="en-US" smtClean="0"/>
-              <a:t>2019/4/3</a:t>
+              <a:t>2019/4/4</a:t>
             </a:fld>
             <a:endParaRPr kumimoji="1" lang="ja-JP" altLang="en-US" dirty="0"/>
           </a:p>
@@ -2072,7 +2073,7 @@
           <a:p>
             <a:fld id="{F0B1327D-CF30-47E1-A2E3-5A8813B6EC63}" type="datetimeFigureOut">
               <a:rPr kumimoji="1" lang="ja-JP" altLang="en-US" smtClean="0"/>
-              <a:t>2019/4/3</a:t>
+              <a:t>2019/4/4</a:t>
             </a:fld>
             <a:endParaRPr kumimoji="1" lang="ja-JP" altLang="en-US" dirty="0"/>
           </a:p>
@@ -2381,7 +2382,7 @@
           <a:p>
             <a:fld id="{F0B1327D-CF30-47E1-A2E3-5A8813B6EC63}" type="datetimeFigureOut">
               <a:rPr kumimoji="1" lang="ja-JP" altLang="en-US" smtClean="0"/>
-              <a:t>2019/4/3</a:t>
+              <a:t>2019/4/4</a:t>
             </a:fld>
             <a:endParaRPr kumimoji="1" lang="ja-JP" altLang="en-US" dirty="0"/>
           </a:p>
@@ -2634,7 +2635,7 @@
           <a:p>
             <a:fld id="{F0B1327D-CF30-47E1-A2E3-5A8813B6EC63}" type="datetimeFigureOut">
               <a:rPr kumimoji="1" lang="ja-JP" altLang="en-US" smtClean="0"/>
-              <a:t>2019/4/3</a:t>
+              <a:t>2019/4/4</a:t>
             </a:fld>
             <a:endParaRPr kumimoji="1" lang="ja-JP" altLang="en-US" dirty="0"/>
           </a:p>
@@ -2879,7 +2880,7 @@
           <a:p>
             <a:fld id="{F0B1327D-CF30-47E1-A2E3-5A8813B6EC63}" type="datetimeFigureOut">
               <a:rPr kumimoji="1" lang="ja-JP" altLang="en-US" smtClean="0"/>
-              <a:t>2019/4/3</a:t>
+              <a:t>2019/4/4</a:t>
             </a:fld>
             <a:endParaRPr kumimoji="1" lang="ja-JP" altLang="en-US" dirty="0"/>
           </a:p>
@@ -14583,8 +14584,15 @@
           <a:p>
             <a:r>
               <a:rPr lang="ja-JP" altLang="en-US" dirty="0" smtClean="0"/>
-              <a:t>遠距離からプレイヤーを攻撃してくるタイプ</a:t>
-            </a:r>
+              <a:t>遠距離からプレイヤーを攻撃してくる</a:t>
+            </a:r>
+            <a:r>
+              <a:rPr lang="ja-JP" altLang="en-US" dirty="0" smtClean="0"/>
+              <a:t>タイプ</a:t>
+            </a:r>
+            <a:endParaRPr lang="en-US" altLang="ja-JP" dirty="0" smtClean="0"/>
+          </a:p>
+          <a:p>
             <a:endParaRPr lang="en-US" altLang="ja-JP" dirty="0" smtClean="0"/>
           </a:p>
           <a:p>
@@ -14628,6 +14636,60 @@
               <a:t>プレイヤーは敵接触するとダメージを受ける</a:t>
             </a:r>
             <a:endParaRPr lang="en-US" altLang="ja-JP" dirty="0" smtClean="0"/>
+          </a:p>
+        </p:txBody>
+      </p:sp>
+      <p:sp>
+        <p:nvSpPr>
+          <p:cNvPr id="4" name="テキスト ボックス 3"/>
+          <p:cNvSpPr txBox="1"/>
+          <p:nvPr/>
+        </p:nvSpPr>
+        <p:spPr>
+          <a:xfrm>
+            <a:off x="838200" y="3188692"/>
+            <a:ext cx="10307781" cy="400110"/>
+          </a:xfrm>
+          <a:prstGeom prst="rect">
+            <a:avLst/>
+          </a:prstGeom>
+          <a:noFill/>
+        </p:spPr>
+        <p:txBody>
+          <a:bodyPr wrap="square" rtlCol="0">
+            <a:spAutoFit/>
+          </a:bodyPr>
+          <a:lstStyle/>
+          <a:p>
+            <a:r>
+              <a:rPr lang="ja-JP" altLang="en-US" sz="2000" dirty="0" smtClean="0"/>
+              <a:t>・プレイヤーが敵の攻撃で</a:t>
+            </a:r>
+            <a:r>
+              <a:rPr lang="en-US" altLang="ja-JP" sz="2000" dirty="0" smtClean="0"/>
+              <a:t>HP</a:t>
+            </a:r>
+            <a:r>
+              <a:rPr lang="ja-JP" altLang="en-US" sz="2000" dirty="0" smtClean="0"/>
+              <a:t>が</a:t>
+            </a:r>
+            <a:r>
+              <a:rPr lang="en-US" altLang="ja-JP" sz="2000" dirty="0" smtClean="0"/>
+              <a:t>0</a:t>
+            </a:r>
+            <a:r>
+              <a:rPr lang="ja-JP" altLang="en-US" sz="2000" dirty="0" smtClean="0"/>
+              <a:t>になった場合レアリティが</a:t>
+            </a:r>
+            <a:r>
+              <a:rPr lang="en-US" altLang="ja-JP" sz="2000" dirty="0" smtClean="0"/>
+              <a:t>1</a:t>
+            </a:r>
+            <a:r>
+              <a:rPr lang="ja-JP" altLang="en-US" sz="2000" dirty="0" smtClean="0"/>
+              <a:t>でリザルトシーンに行く</a:t>
+            </a:r>
+            <a:endParaRPr kumimoji="1" lang="ja-JP" altLang="en-US" sz="2000" dirty="0"/>
           </a:p>
         </p:txBody>
       </p:sp>
@@ -15017,6 +15079,36 @@
           <a:chExt cx="0" cy="0"/>
         </a:xfrm>
       </p:grpSpPr>
+    </p:spTree>
+    <p:extLst>
+      <p:ext uri="{BB962C8B-B14F-4D97-AF65-F5344CB8AC3E}">
+        <p14:creationId xmlns:p14="http://schemas.microsoft.com/office/powerpoint/2010/main" val="1067638588"/>
+      </p:ext>
+    </p:extLst>
+  </p:cSld>
+  <p:clrMapOvr>
+    <a:masterClrMapping/>
+  </p:clrMapOvr>
+</p:sld>
+</file>
+
+<file path=ppt/slides/slide28.xml><?xml version="1.0" encoding="utf-8"?>
+<p:sld xmlns:a="http://schemas.openxmlformats.org/drawingml/2006/main" xmlns:r="http://schemas.openxmlformats.org/officeDocument/2006/relationships" xmlns:p="http://schemas.openxmlformats.org/presentationml/2006/main">
+  <p:cSld>
+    <p:spTree>
+      <p:nvGrpSpPr>
+        <p:cNvPr id="1" name=""/>
+        <p:cNvGrpSpPr/>
+        <p:nvPr/>
+      </p:nvGrpSpPr>
+      <p:grpSpPr>
+        <a:xfrm>
+          <a:off x="0" y="0"/>
+          <a:ext cx="0" cy="0"/>
+          <a:chOff x="0" y="0"/>
+          <a:chExt cx="0" cy="0"/>
+        </a:xfrm>
+      </p:grpSpPr>
       <p:sp>
         <p:nvSpPr>
           <p:cNvPr id="5" name="タイトル 1"/>
@@ -15065,7 +15157,7 @@
 </p:sld>
 </file>
 
-<file path=ppt/slides/slide28.xml><?xml version="1.0" encoding="utf-8"?>
+<file path=ppt/slides/slide29.xml><?xml version="1.0" encoding="utf-8"?>
 <p:sld xmlns:a="http://schemas.openxmlformats.org/drawingml/2006/main" xmlns:r="http://schemas.openxmlformats.org/officeDocument/2006/relationships" xmlns:p="http://schemas.openxmlformats.org/presentationml/2006/main">
   <p:cSld>
     <p:spTree>

--- a/企画書もどき.pptx
+++ b/企画書もどき.pptx
@@ -34,6 +34,8 @@
     <p:sldId id="286" r:id="rId28"/>
     <p:sldId id="276" r:id="rId29"/>
     <p:sldId id="277" r:id="rId30"/>
+    <p:sldId id="287" r:id="rId31"/>
+    <p:sldId id="288" r:id="rId32"/>
   </p:sldIdLst>
   <p:sldSz cx="12192000" cy="6858000"/>
   <p:notesSz cx="6858000" cy="9144000"/>
@@ -271,7 +273,7 @@
           <a:p>
             <a:fld id="{F0B1327D-CF30-47E1-A2E3-5A8813B6EC63}" type="datetimeFigureOut">
               <a:rPr kumimoji="1" lang="ja-JP" altLang="en-US" smtClean="0"/>
-              <a:t>2019/4/4</a:t>
+              <a:t>2019/4/5</a:t>
             </a:fld>
             <a:endParaRPr kumimoji="1" lang="ja-JP" altLang="en-US" dirty="0"/>
           </a:p>
@@ -473,7 +475,7 @@
           <a:p>
             <a:fld id="{F0B1327D-CF30-47E1-A2E3-5A8813B6EC63}" type="datetimeFigureOut">
               <a:rPr kumimoji="1" lang="ja-JP" altLang="en-US" smtClean="0"/>
-              <a:t>2019/4/4</a:t>
+              <a:t>2019/4/5</a:t>
             </a:fld>
             <a:endParaRPr kumimoji="1" lang="ja-JP" altLang="en-US" dirty="0"/>
           </a:p>
@@ -685,7 +687,7 @@
           <a:p>
             <a:fld id="{F0B1327D-CF30-47E1-A2E3-5A8813B6EC63}" type="datetimeFigureOut">
               <a:rPr kumimoji="1" lang="ja-JP" altLang="en-US" smtClean="0"/>
-              <a:t>2019/4/4</a:t>
+              <a:t>2019/4/5</a:t>
             </a:fld>
             <a:endParaRPr kumimoji="1" lang="ja-JP" altLang="en-US" dirty="0"/>
           </a:p>
@@ -887,7 +889,7 @@
           <a:p>
             <a:fld id="{F0B1327D-CF30-47E1-A2E3-5A8813B6EC63}" type="datetimeFigureOut">
               <a:rPr kumimoji="1" lang="ja-JP" altLang="en-US" smtClean="0"/>
-              <a:t>2019/4/4</a:t>
+              <a:t>2019/4/5</a:t>
             </a:fld>
             <a:endParaRPr kumimoji="1" lang="ja-JP" altLang="en-US" dirty="0"/>
           </a:p>
@@ -1133,7 +1135,7 @@
           <a:p>
             <a:fld id="{F0B1327D-CF30-47E1-A2E3-5A8813B6EC63}" type="datetimeFigureOut">
               <a:rPr kumimoji="1" lang="ja-JP" altLang="en-US" smtClean="0"/>
-              <a:t>2019/4/4</a:t>
+              <a:t>2019/4/5</a:t>
             </a:fld>
             <a:endParaRPr kumimoji="1" lang="ja-JP" altLang="en-US" dirty="0"/>
           </a:p>
@@ -1429,7 +1431,7 @@
           <a:p>
             <a:fld id="{F0B1327D-CF30-47E1-A2E3-5A8813B6EC63}" type="datetimeFigureOut">
               <a:rPr kumimoji="1" lang="ja-JP" altLang="en-US" smtClean="0"/>
-              <a:t>2019/4/4</a:t>
+              <a:t>2019/4/5</a:t>
             </a:fld>
             <a:endParaRPr kumimoji="1" lang="ja-JP" altLang="en-US" dirty="0"/>
           </a:p>
@@ -1860,7 +1862,7 @@
           <a:p>
             <a:fld id="{F0B1327D-CF30-47E1-A2E3-5A8813B6EC63}" type="datetimeFigureOut">
               <a:rPr kumimoji="1" lang="ja-JP" altLang="en-US" smtClean="0"/>
-              <a:t>2019/4/4</a:t>
+              <a:t>2019/4/5</a:t>
             </a:fld>
             <a:endParaRPr kumimoji="1" lang="ja-JP" altLang="en-US" dirty="0"/>
           </a:p>
@@ -1978,7 +1980,7 @@
           <a:p>
             <a:fld id="{F0B1327D-CF30-47E1-A2E3-5A8813B6EC63}" type="datetimeFigureOut">
               <a:rPr kumimoji="1" lang="ja-JP" altLang="en-US" smtClean="0"/>
-              <a:t>2019/4/4</a:t>
+              <a:t>2019/4/5</a:t>
             </a:fld>
             <a:endParaRPr kumimoji="1" lang="ja-JP" altLang="en-US" dirty="0"/>
           </a:p>
@@ -2073,7 +2075,7 @@
           <a:p>
             <a:fld id="{F0B1327D-CF30-47E1-A2E3-5A8813B6EC63}" type="datetimeFigureOut">
               <a:rPr kumimoji="1" lang="ja-JP" altLang="en-US" smtClean="0"/>
-              <a:t>2019/4/4</a:t>
+              <a:t>2019/4/5</a:t>
             </a:fld>
             <a:endParaRPr kumimoji="1" lang="ja-JP" altLang="en-US" dirty="0"/>
           </a:p>
@@ -2382,7 +2384,7 @@
           <a:p>
             <a:fld id="{F0B1327D-CF30-47E1-A2E3-5A8813B6EC63}" type="datetimeFigureOut">
               <a:rPr kumimoji="1" lang="ja-JP" altLang="en-US" smtClean="0"/>
-              <a:t>2019/4/4</a:t>
+              <a:t>2019/4/5</a:t>
             </a:fld>
             <a:endParaRPr kumimoji="1" lang="ja-JP" altLang="en-US" dirty="0"/>
           </a:p>
@@ -2635,7 +2637,7 @@
           <a:p>
             <a:fld id="{F0B1327D-CF30-47E1-A2E3-5A8813B6EC63}" type="datetimeFigureOut">
               <a:rPr kumimoji="1" lang="ja-JP" altLang="en-US" smtClean="0"/>
-              <a:t>2019/4/4</a:t>
+              <a:t>2019/4/5</a:t>
             </a:fld>
             <a:endParaRPr kumimoji="1" lang="ja-JP" altLang="en-US" dirty="0"/>
           </a:p>
@@ -2880,7 +2882,7 @@
           <a:p>
             <a:fld id="{F0B1327D-CF30-47E1-A2E3-5A8813B6EC63}" type="datetimeFigureOut">
               <a:rPr kumimoji="1" lang="ja-JP" altLang="en-US" smtClean="0"/>
-              <a:t>2019/4/4</a:t>
+              <a:t>2019/4/5</a:t>
             </a:fld>
             <a:endParaRPr kumimoji="1" lang="ja-JP" altLang="en-US" dirty="0"/>
           </a:p>
@@ -11949,7 +11951,7 @@
         </p:nvGrpSpPr>
         <p:grpSpPr>
           <a:xfrm flipH="1">
-            <a:off x="8036237" y="3502964"/>
+            <a:off x="8035550" y="3423154"/>
             <a:ext cx="693139" cy="777974"/>
             <a:chOff x="1423734" y="2044913"/>
             <a:chExt cx="2253227" cy="2660290"/>
@@ -14584,11 +14586,7 @@
           <a:p>
             <a:r>
               <a:rPr lang="ja-JP" altLang="en-US" dirty="0" smtClean="0"/>
-              <a:t>遠距離からプレイヤーを攻撃してくる</a:t>
-            </a:r>
-            <a:r>
-              <a:rPr lang="ja-JP" altLang="en-US" dirty="0" smtClean="0"/>
-              <a:t>タイプ</a:t>
+              <a:t>遠距離からプレイヤーを攻撃してくるタイプ</a:t>
             </a:r>
             <a:endParaRPr lang="en-US" altLang="ja-JP" dirty="0" smtClean="0"/>
           </a:p>
@@ -15808,6 +15806,2322 @@
       </p:par>
     </p:tnLst>
   </p:timing>
+</p:sld>
+</file>
+
+<file path=ppt/slides/slide30.xml><?xml version="1.0" encoding="utf-8"?>
+<p:sld xmlns:a="http://schemas.openxmlformats.org/drawingml/2006/main" xmlns:r="http://schemas.openxmlformats.org/officeDocument/2006/relationships" xmlns:p="http://schemas.openxmlformats.org/presentationml/2006/main">
+  <p:cSld>
+    <p:spTree>
+      <p:nvGrpSpPr>
+        <p:cNvPr id="1" name=""/>
+        <p:cNvGrpSpPr/>
+        <p:nvPr/>
+      </p:nvGrpSpPr>
+      <p:grpSpPr>
+        <a:xfrm>
+          <a:off x="0" y="0"/>
+          <a:ext cx="0" cy="0"/>
+          <a:chOff x="0" y="0"/>
+          <a:chExt cx="0" cy="0"/>
+        </a:xfrm>
+      </p:grpSpPr>
+      <p:grpSp>
+        <p:nvGrpSpPr>
+          <p:cNvPr id="6" name="グループ化 5"/>
+          <p:cNvGrpSpPr/>
+          <p:nvPr/>
+        </p:nvGrpSpPr>
+        <p:grpSpPr>
+          <a:xfrm flipH="1">
+            <a:off x="4542302" y="2157058"/>
+            <a:ext cx="693139" cy="777974"/>
+            <a:chOff x="1423734" y="2044913"/>
+            <a:chExt cx="2253227" cy="2660290"/>
+          </a:xfrm>
+        </p:grpSpPr>
+        <p:grpSp>
+          <p:nvGrpSpPr>
+            <p:cNvPr id="7" name="グループ化 6"/>
+            <p:cNvGrpSpPr/>
+            <p:nvPr/>
+          </p:nvGrpSpPr>
+          <p:grpSpPr>
+            <a:xfrm>
+              <a:off x="1423734" y="2044914"/>
+              <a:ext cx="2253227" cy="2660289"/>
+              <a:chOff x="1148848" y="2284629"/>
+              <a:chExt cx="2253227" cy="2660289"/>
+            </a:xfrm>
+          </p:grpSpPr>
+          <p:sp>
+            <p:nvSpPr>
+              <p:cNvPr id="9" name="正方形/長方形 8"/>
+              <p:cNvSpPr/>
+              <p:nvPr/>
+            </p:nvSpPr>
+            <p:spPr>
+              <a:xfrm>
+                <a:off x="1542473" y="3112655"/>
+                <a:ext cx="220518" cy="452580"/>
+              </a:xfrm>
+              <a:prstGeom prst="rect">
+                <a:avLst/>
+              </a:prstGeom>
+              <a:solidFill>
+                <a:srgbClr val="C5F8FF"/>
+              </a:solidFill>
+              <a:ln>
+                <a:solidFill>
+                  <a:srgbClr val="C5F8FF"/>
+                </a:solidFill>
+              </a:ln>
+            </p:spPr>
+            <p:style>
+              <a:lnRef idx="2">
+                <a:schemeClr val="accent1">
+                  <a:shade val="50000"/>
+                </a:schemeClr>
+              </a:lnRef>
+              <a:fillRef idx="1">
+                <a:schemeClr val="accent1"/>
+              </a:fillRef>
+              <a:effectRef idx="0">
+                <a:schemeClr val="accent1"/>
+              </a:effectRef>
+              <a:fontRef idx="minor">
+                <a:schemeClr val="lt1"/>
+              </a:fontRef>
+            </p:style>
+            <p:txBody>
+              <a:bodyPr rtlCol="0" anchor="ctr"/>
+              <a:lstStyle/>
+              <a:p>
+                <a:pPr algn="ctr"/>
+                <a:endParaRPr kumimoji="1" lang="ja-JP" altLang="en-US" dirty="0"/>
+              </a:p>
+            </p:txBody>
+          </p:sp>
+          <p:sp>
+            <p:nvSpPr>
+              <p:cNvPr id="10" name="正方形/長方形 9"/>
+              <p:cNvSpPr/>
+              <p:nvPr/>
+            </p:nvSpPr>
+            <p:spPr>
+              <a:xfrm>
+                <a:off x="2110508" y="3112654"/>
+                <a:ext cx="241617" cy="452581"/>
+              </a:xfrm>
+              <a:prstGeom prst="rect">
+                <a:avLst/>
+              </a:prstGeom>
+              <a:solidFill>
+                <a:srgbClr val="C5F8FF"/>
+              </a:solidFill>
+              <a:ln>
+                <a:solidFill>
+                  <a:srgbClr val="C5F8FF"/>
+                </a:solidFill>
+              </a:ln>
+            </p:spPr>
+            <p:style>
+              <a:lnRef idx="2">
+                <a:schemeClr val="accent1">
+                  <a:shade val="50000"/>
+                </a:schemeClr>
+              </a:lnRef>
+              <a:fillRef idx="1">
+                <a:schemeClr val="accent1"/>
+              </a:fillRef>
+              <a:effectRef idx="0">
+                <a:schemeClr val="accent1"/>
+              </a:effectRef>
+              <a:fontRef idx="minor">
+                <a:schemeClr val="lt1"/>
+              </a:fontRef>
+            </p:style>
+            <p:txBody>
+              <a:bodyPr rtlCol="0" anchor="ctr"/>
+              <a:lstStyle/>
+              <a:p>
+                <a:pPr algn="ctr"/>
+                <a:endParaRPr kumimoji="1" lang="ja-JP" altLang="en-US" dirty="0"/>
+              </a:p>
+            </p:txBody>
+          </p:sp>
+          <p:sp>
+            <p:nvSpPr>
+              <p:cNvPr id="11" name="正方形/長方形 10"/>
+              <p:cNvSpPr/>
+              <p:nvPr/>
+            </p:nvSpPr>
+            <p:spPr>
+              <a:xfrm>
+                <a:off x="1148848" y="3551166"/>
+                <a:ext cx="1477818" cy="267855"/>
+              </a:xfrm>
+              <a:prstGeom prst="rect">
+                <a:avLst/>
+              </a:prstGeom>
+              <a:solidFill>
+                <a:schemeClr val="bg2">
+                  <a:lumMod val="50000"/>
+                </a:schemeClr>
+              </a:solidFill>
+              <a:ln w="3175">
+                <a:solidFill>
+                  <a:schemeClr val="bg2">
+                    <a:lumMod val="50000"/>
+                  </a:schemeClr>
+                </a:solidFill>
+              </a:ln>
+            </p:spPr>
+            <p:style>
+              <a:lnRef idx="2">
+                <a:schemeClr val="accent1">
+                  <a:shade val="50000"/>
+                </a:schemeClr>
+              </a:lnRef>
+              <a:fillRef idx="1">
+                <a:schemeClr val="accent1"/>
+              </a:fillRef>
+              <a:effectRef idx="0">
+                <a:schemeClr val="accent1"/>
+              </a:effectRef>
+              <a:fontRef idx="minor">
+                <a:schemeClr val="lt1"/>
+              </a:fontRef>
+            </p:style>
+            <p:txBody>
+              <a:bodyPr rtlCol="0" anchor="ctr"/>
+              <a:lstStyle/>
+              <a:p>
+                <a:pPr algn="ctr"/>
+                <a:endParaRPr kumimoji="1" lang="ja-JP" altLang="en-US" dirty="0"/>
+              </a:p>
+            </p:txBody>
+          </p:sp>
+          <p:sp>
+            <p:nvSpPr>
+              <p:cNvPr id="12" name="正方形/長方形 11"/>
+              <p:cNvSpPr/>
+              <p:nvPr/>
+            </p:nvSpPr>
+            <p:spPr>
+              <a:xfrm>
+                <a:off x="2304101" y="3133221"/>
+                <a:ext cx="318655" cy="438726"/>
+              </a:xfrm>
+              <a:prstGeom prst="rect">
+                <a:avLst/>
+              </a:prstGeom>
+              <a:solidFill>
+                <a:schemeClr val="bg2">
+                  <a:lumMod val="50000"/>
+                </a:schemeClr>
+              </a:solidFill>
+              <a:ln w="3175">
+                <a:solidFill>
+                  <a:schemeClr val="bg2">
+                    <a:lumMod val="50000"/>
+                  </a:schemeClr>
+                </a:solidFill>
+              </a:ln>
+            </p:spPr>
+            <p:style>
+              <a:lnRef idx="2">
+                <a:schemeClr val="accent1">
+                  <a:shade val="50000"/>
+                </a:schemeClr>
+              </a:lnRef>
+              <a:fillRef idx="1">
+                <a:schemeClr val="accent1"/>
+              </a:fillRef>
+              <a:effectRef idx="0">
+                <a:schemeClr val="accent1"/>
+              </a:effectRef>
+              <a:fontRef idx="minor">
+                <a:schemeClr val="lt1"/>
+              </a:fontRef>
+            </p:style>
+            <p:txBody>
+              <a:bodyPr rtlCol="0" anchor="ctr"/>
+              <a:lstStyle/>
+              <a:p>
+                <a:pPr algn="ctr"/>
+                <a:endParaRPr kumimoji="1" lang="ja-JP" altLang="en-US" dirty="0"/>
+              </a:p>
+            </p:txBody>
+          </p:sp>
+          <p:sp>
+            <p:nvSpPr>
+              <p:cNvPr id="13" name="正方形/長方形 12"/>
+              <p:cNvSpPr/>
+              <p:nvPr/>
+            </p:nvSpPr>
+            <p:spPr>
+              <a:xfrm>
+                <a:off x="2327106" y="2829761"/>
+                <a:ext cx="299717" cy="438726"/>
+              </a:xfrm>
+              <a:prstGeom prst="rect">
+                <a:avLst/>
+              </a:prstGeom>
+              <a:solidFill>
+                <a:schemeClr val="bg2">
+                  <a:lumMod val="50000"/>
+                </a:schemeClr>
+              </a:solidFill>
+              <a:ln w="3175">
+                <a:solidFill>
+                  <a:schemeClr val="bg2">
+                    <a:lumMod val="50000"/>
+                  </a:schemeClr>
+                </a:solidFill>
+              </a:ln>
+            </p:spPr>
+            <p:style>
+              <a:lnRef idx="2">
+                <a:schemeClr val="accent1">
+                  <a:shade val="50000"/>
+                </a:schemeClr>
+              </a:lnRef>
+              <a:fillRef idx="1">
+                <a:schemeClr val="accent1"/>
+              </a:fillRef>
+              <a:effectRef idx="0">
+                <a:schemeClr val="accent1"/>
+              </a:effectRef>
+              <a:fontRef idx="minor">
+                <a:schemeClr val="lt1"/>
+              </a:fontRef>
+            </p:style>
+            <p:txBody>
+              <a:bodyPr rtlCol="0" anchor="ctr"/>
+              <a:lstStyle/>
+              <a:p>
+                <a:pPr algn="ctr"/>
+                <a:endParaRPr kumimoji="1" lang="ja-JP" altLang="en-US" dirty="0"/>
+              </a:p>
+            </p:txBody>
+          </p:sp>
+          <p:sp>
+            <p:nvSpPr>
+              <p:cNvPr id="14" name="正方形/長方形 13"/>
+              <p:cNvSpPr/>
+              <p:nvPr/>
+            </p:nvSpPr>
+            <p:spPr>
+              <a:xfrm>
+                <a:off x="2503610" y="2824496"/>
+                <a:ext cx="835434" cy="274303"/>
+              </a:xfrm>
+              <a:prstGeom prst="rect">
+                <a:avLst/>
+              </a:prstGeom>
+              <a:solidFill>
+                <a:srgbClr val="767171"/>
+              </a:solidFill>
+              <a:ln w="3175">
+                <a:solidFill>
+                  <a:srgbClr val="767171"/>
+                </a:solidFill>
+              </a:ln>
+            </p:spPr>
+            <p:style>
+              <a:lnRef idx="2">
+                <a:schemeClr val="accent1">
+                  <a:shade val="50000"/>
+                </a:schemeClr>
+              </a:lnRef>
+              <a:fillRef idx="1">
+                <a:schemeClr val="accent1"/>
+              </a:fillRef>
+              <a:effectRef idx="0">
+                <a:schemeClr val="accent1"/>
+              </a:effectRef>
+              <a:fontRef idx="minor">
+                <a:schemeClr val="lt1"/>
+              </a:fontRef>
+            </p:style>
+            <p:txBody>
+              <a:bodyPr rtlCol="0" anchor="ctr"/>
+              <a:lstStyle/>
+              <a:p>
+                <a:pPr algn="ctr"/>
+                <a:endParaRPr kumimoji="1" lang="ja-JP" altLang="en-US" dirty="0"/>
+              </a:p>
+            </p:txBody>
+          </p:sp>
+          <p:sp>
+            <p:nvSpPr>
+              <p:cNvPr id="15" name="正方形/長方形 14"/>
+              <p:cNvSpPr/>
+              <p:nvPr/>
+            </p:nvSpPr>
+            <p:spPr>
+              <a:xfrm>
+                <a:off x="1286078" y="2819185"/>
+                <a:ext cx="1066048" cy="307325"/>
+              </a:xfrm>
+              <a:prstGeom prst="rect">
+                <a:avLst/>
+              </a:prstGeom>
+              <a:solidFill>
+                <a:schemeClr val="bg2">
+                  <a:lumMod val="50000"/>
+                </a:schemeClr>
+              </a:solidFill>
+              <a:ln w="3175">
+                <a:solidFill>
+                  <a:schemeClr val="bg2">
+                    <a:lumMod val="50000"/>
+                  </a:schemeClr>
+                </a:solidFill>
+              </a:ln>
+            </p:spPr>
+            <p:style>
+              <a:lnRef idx="2">
+                <a:schemeClr val="accent1">
+                  <a:shade val="50000"/>
+                </a:schemeClr>
+              </a:lnRef>
+              <a:fillRef idx="1">
+                <a:schemeClr val="accent1"/>
+              </a:fillRef>
+              <a:effectRef idx="0">
+                <a:schemeClr val="accent1"/>
+              </a:effectRef>
+              <a:fontRef idx="minor">
+                <a:schemeClr val="lt1"/>
+              </a:fontRef>
+            </p:style>
+            <p:txBody>
+              <a:bodyPr rtlCol="0" anchor="ctr"/>
+              <a:lstStyle/>
+              <a:p>
+                <a:pPr algn="ctr"/>
+                <a:endParaRPr kumimoji="1" lang="ja-JP" altLang="en-US" dirty="0"/>
+              </a:p>
+            </p:txBody>
+          </p:sp>
+          <p:sp>
+            <p:nvSpPr>
+              <p:cNvPr id="16" name="正方形/長方形 15"/>
+              <p:cNvSpPr/>
+              <p:nvPr/>
+            </p:nvSpPr>
+            <p:spPr>
+              <a:xfrm>
+                <a:off x="1922474" y="2284629"/>
+                <a:ext cx="569034" cy="531891"/>
+              </a:xfrm>
+              <a:prstGeom prst="rect">
+                <a:avLst/>
+              </a:prstGeom>
+              <a:solidFill>
+                <a:srgbClr val="767171"/>
+              </a:solidFill>
+              <a:ln w="3175">
+                <a:solidFill>
+                  <a:srgbClr val="767171"/>
+                </a:solidFill>
+              </a:ln>
+            </p:spPr>
+            <p:style>
+              <a:lnRef idx="2">
+                <a:schemeClr val="accent1">
+                  <a:shade val="50000"/>
+                </a:schemeClr>
+              </a:lnRef>
+              <a:fillRef idx="1">
+                <a:schemeClr val="accent1"/>
+              </a:fillRef>
+              <a:effectRef idx="0">
+                <a:schemeClr val="accent1"/>
+              </a:effectRef>
+              <a:fontRef idx="minor">
+                <a:schemeClr val="lt1"/>
+              </a:fontRef>
+            </p:style>
+            <p:txBody>
+              <a:bodyPr rtlCol="0" anchor="ctr"/>
+              <a:lstStyle/>
+              <a:p>
+                <a:pPr algn="ctr"/>
+                <a:endParaRPr kumimoji="1" lang="ja-JP" altLang="en-US" dirty="0"/>
+              </a:p>
+            </p:txBody>
+          </p:sp>
+          <p:sp>
+            <p:nvSpPr>
+              <p:cNvPr id="17" name="正方形/長方形 16"/>
+              <p:cNvSpPr/>
+              <p:nvPr/>
+            </p:nvSpPr>
+            <p:spPr>
+              <a:xfrm>
+                <a:off x="1764145" y="3098799"/>
+                <a:ext cx="337965" cy="445655"/>
+              </a:xfrm>
+              <a:prstGeom prst="rect">
+                <a:avLst/>
+              </a:prstGeom>
+              <a:solidFill>
+                <a:schemeClr val="bg2">
+                  <a:lumMod val="50000"/>
+                </a:schemeClr>
+              </a:solidFill>
+              <a:ln w="3175">
+                <a:solidFill>
+                  <a:schemeClr val="bg2">
+                    <a:lumMod val="50000"/>
+                  </a:schemeClr>
+                </a:solidFill>
+              </a:ln>
+            </p:spPr>
+            <p:style>
+              <a:lnRef idx="2">
+                <a:schemeClr val="accent1">
+                  <a:shade val="50000"/>
+                </a:schemeClr>
+              </a:lnRef>
+              <a:fillRef idx="1">
+                <a:schemeClr val="accent1"/>
+              </a:fillRef>
+              <a:effectRef idx="0">
+                <a:schemeClr val="accent1"/>
+              </a:effectRef>
+              <a:fontRef idx="minor">
+                <a:schemeClr val="lt1"/>
+              </a:fontRef>
+            </p:style>
+            <p:txBody>
+              <a:bodyPr rtlCol="0" anchor="ctr"/>
+              <a:lstStyle/>
+              <a:p>
+                <a:pPr algn="ctr"/>
+                <a:endParaRPr kumimoji="1" lang="ja-JP" altLang="en-US" dirty="0"/>
+              </a:p>
+            </p:txBody>
+          </p:sp>
+          <p:sp>
+            <p:nvSpPr>
+              <p:cNvPr id="18" name="正方形/長方形 17"/>
+              <p:cNvSpPr/>
+              <p:nvPr/>
+            </p:nvSpPr>
+            <p:spPr>
+              <a:xfrm>
+                <a:off x="1284924" y="3112654"/>
+                <a:ext cx="265948" cy="431799"/>
+              </a:xfrm>
+              <a:prstGeom prst="rect">
+                <a:avLst/>
+              </a:prstGeom>
+              <a:solidFill>
+                <a:schemeClr val="bg2">
+                  <a:lumMod val="50000"/>
+                </a:schemeClr>
+              </a:solidFill>
+              <a:ln w="3175">
+                <a:solidFill>
+                  <a:schemeClr val="bg2">
+                    <a:lumMod val="50000"/>
+                  </a:schemeClr>
+                </a:solidFill>
+              </a:ln>
+            </p:spPr>
+            <p:style>
+              <a:lnRef idx="2">
+                <a:schemeClr val="accent1">
+                  <a:shade val="50000"/>
+                </a:schemeClr>
+              </a:lnRef>
+              <a:fillRef idx="1">
+                <a:schemeClr val="accent1"/>
+              </a:fillRef>
+              <a:effectRef idx="0">
+                <a:schemeClr val="accent1"/>
+              </a:effectRef>
+              <a:fontRef idx="minor">
+                <a:schemeClr val="lt1"/>
+              </a:fontRef>
+            </p:style>
+            <p:txBody>
+              <a:bodyPr rtlCol="0" anchor="ctr"/>
+              <a:lstStyle/>
+              <a:p>
+                <a:pPr algn="ctr"/>
+                <a:endParaRPr kumimoji="1" lang="ja-JP" altLang="en-US" dirty="0"/>
+              </a:p>
+            </p:txBody>
+          </p:sp>
+          <p:sp>
+            <p:nvSpPr>
+              <p:cNvPr id="19" name="正方形/長方形 18"/>
+              <p:cNvSpPr/>
+              <p:nvPr/>
+            </p:nvSpPr>
+            <p:spPr>
+              <a:xfrm>
+                <a:off x="1604817" y="3819236"/>
+                <a:ext cx="886691" cy="290946"/>
+              </a:xfrm>
+              <a:prstGeom prst="rect">
+                <a:avLst/>
+              </a:prstGeom>
+              <a:solidFill>
+                <a:srgbClr val="966C42"/>
+              </a:solidFill>
+              <a:ln>
+                <a:solidFill>
+                  <a:srgbClr val="966C42"/>
+                </a:solidFill>
+              </a:ln>
+            </p:spPr>
+            <p:style>
+              <a:lnRef idx="2">
+                <a:schemeClr val="accent1">
+                  <a:shade val="50000"/>
+                </a:schemeClr>
+              </a:lnRef>
+              <a:fillRef idx="1">
+                <a:schemeClr val="accent1"/>
+              </a:fillRef>
+              <a:effectRef idx="0">
+                <a:schemeClr val="accent1"/>
+              </a:effectRef>
+              <a:fontRef idx="minor">
+                <a:schemeClr val="lt1"/>
+              </a:fontRef>
+            </p:style>
+            <p:txBody>
+              <a:bodyPr rtlCol="0" anchor="ctr"/>
+              <a:lstStyle/>
+              <a:p>
+                <a:pPr algn="ctr"/>
+                <a:endParaRPr kumimoji="1" lang="ja-JP" altLang="en-US" dirty="0"/>
+              </a:p>
+            </p:txBody>
+          </p:sp>
+          <p:sp>
+            <p:nvSpPr>
+              <p:cNvPr id="20" name="正方形/長方形 19"/>
+              <p:cNvSpPr/>
+              <p:nvPr/>
+            </p:nvSpPr>
+            <p:spPr>
+              <a:xfrm>
+                <a:off x="1604817" y="4112704"/>
+                <a:ext cx="886691" cy="290946"/>
+              </a:xfrm>
+              <a:prstGeom prst="rect">
+                <a:avLst/>
+              </a:prstGeom>
+              <a:solidFill>
+                <a:srgbClr val="B69C7A"/>
+              </a:solidFill>
+              <a:ln>
+                <a:solidFill>
+                  <a:srgbClr val="B69C7A"/>
+                </a:solidFill>
+              </a:ln>
+            </p:spPr>
+            <p:style>
+              <a:lnRef idx="2">
+                <a:schemeClr val="accent1">
+                  <a:shade val="50000"/>
+                </a:schemeClr>
+              </a:lnRef>
+              <a:fillRef idx="1">
+                <a:schemeClr val="accent1"/>
+              </a:fillRef>
+              <a:effectRef idx="0">
+                <a:schemeClr val="accent1"/>
+              </a:effectRef>
+              <a:fontRef idx="minor">
+                <a:schemeClr val="lt1"/>
+              </a:fontRef>
+            </p:style>
+            <p:txBody>
+              <a:bodyPr rtlCol="0" anchor="ctr"/>
+              <a:lstStyle/>
+              <a:p>
+                <a:pPr algn="ctr"/>
+                <a:endParaRPr kumimoji="1" lang="ja-JP" altLang="en-US" dirty="0"/>
+              </a:p>
+            </p:txBody>
+          </p:sp>
+          <p:sp>
+            <p:nvSpPr>
+              <p:cNvPr id="21" name="正方形/長方形 20"/>
+              <p:cNvSpPr/>
+              <p:nvPr/>
+            </p:nvSpPr>
+            <p:spPr>
+              <a:xfrm>
+                <a:off x="1604816" y="4387272"/>
+                <a:ext cx="1103743" cy="300177"/>
+              </a:xfrm>
+              <a:prstGeom prst="rect">
+                <a:avLst/>
+              </a:prstGeom>
+              <a:solidFill>
+                <a:srgbClr val="B69C7A"/>
+              </a:solidFill>
+              <a:ln>
+                <a:solidFill>
+                  <a:srgbClr val="B69C7A"/>
+                </a:solidFill>
+              </a:ln>
+            </p:spPr>
+            <p:style>
+              <a:lnRef idx="2">
+                <a:schemeClr val="accent1">
+                  <a:shade val="50000"/>
+                </a:schemeClr>
+              </a:lnRef>
+              <a:fillRef idx="1">
+                <a:schemeClr val="accent1"/>
+              </a:fillRef>
+              <a:effectRef idx="0">
+                <a:schemeClr val="accent1"/>
+              </a:effectRef>
+              <a:fontRef idx="minor">
+                <a:schemeClr val="lt1"/>
+              </a:fontRef>
+            </p:style>
+            <p:txBody>
+              <a:bodyPr rtlCol="0" anchor="ctr"/>
+              <a:lstStyle/>
+              <a:p>
+                <a:pPr algn="ctr"/>
+                <a:endParaRPr kumimoji="1" lang="ja-JP" altLang="en-US" dirty="0"/>
+              </a:p>
+            </p:txBody>
+          </p:sp>
+          <p:sp>
+            <p:nvSpPr>
+              <p:cNvPr id="22" name="正方形/長方形 21"/>
+              <p:cNvSpPr/>
+              <p:nvPr/>
+            </p:nvSpPr>
+            <p:spPr>
+              <a:xfrm>
+                <a:off x="1604815" y="4693221"/>
+                <a:ext cx="360216" cy="251697"/>
+              </a:xfrm>
+              <a:prstGeom prst="rect">
+                <a:avLst/>
+              </a:prstGeom>
+              <a:solidFill>
+                <a:srgbClr val="767171"/>
+              </a:solidFill>
+              <a:ln>
+                <a:solidFill>
+                  <a:srgbClr val="767171"/>
+                </a:solidFill>
+              </a:ln>
+            </p:spPr>
+            <p:style>
+              <a:lnRef idx="2">
+                <a:schemeClr val="accent1">
+                  <a:shade val="50000"/>
+                </a:schemeClr>
+              </a:lnRef>
+              <a:fillRef idx="1">
+                <a:schemeClr val="accent1"/>
+              </a:fillRef>
+              <a:effectRef idx="0">
+                <a:schemeClr val="accent1"/>
+              </a:effectRef>
+              <a:fontRef idx="minor">
+                <a:schemeClr val="lt1"/>
+              </a:fontRef>
+            </p:style>
+            <p:txBody>
+              <a:bodyPr rtlCol="0" anchor="ctr"/>
+              <a:lstStyle/>
+              <a:p>
+                <a:pPr algn="ctr"/>
+                <a:endParaRPr kumimoji="1" lang="ja-JP" altLang="en-US" dirty="0"/>
+              </a:p>
+            </p:txBody>
+          </p:sp>
+          <p:sp>
+            <p:nvSpPr>
+              <p:cNvPr id="23" name="正方形/長方形 22"/>
+              <p:cNvSpPr/>
+              <p:nvPr/>
+            </p:nvSpPr>
+            <p:spPr>
+              <a:xfrm>
+                <a:off x="2267952" y="4678218"/>
+                <a:ext cx="426756" cy="262090"/>
+              </a:xfrm>
+              <a:prstGeom prst="rect">
+                <a:avLst/>
+              </a:prstGeom>
+              <a:solidFill>
+                <a:srgbClr val="767171"/>
+              </a:solidFill>
+              <a:ln>
+                <a:solidFill>
+                  <a:srgbClr val="767171"/>
+                </a:solidFill>
+              </a:ln>
+            </p:spPr>
+            <p:style>
+              <a:lnRef idx="2">
+                <a:schemeClr val="accent1">
+                  <a:shade val="50000"/>
+                </a:schemeClr>
+              </a:lnRef>
+              <a:fillRef idx="1">
+                <a:schemeClr val="accent1"/>
+              </a:fillRef>
+              <a:effectRef idx="0">
+                <a:schemeClr val="accent1"/>
+              </a:effectRef>
+              <a:fontRef idx="minor">
+                <a:schemeClr val="lt1"/>
+              </a:fontRef>
+            </p:style>
+            <p:txBody>
+              <a:bodyPr rtlCol="0" anchor="ctr"/>
+              <a:lstStyle/>
+              <a:p>
+                <a:pPr algn="ctr"/>
+                <a:endParaRPr kumimoji="1" lang="ja-JP" altLang="en-US" dirty="0"/>
+              </a:p>
+            </p:txBody>
+          </p:sp>
+          <p:sp>
+            <p:nvSpPr>
+              <p:cNvPr id="24" name="正方形/長方形 23"/>
+              <p:cNvSpPr/>
+              <p:nvPr/>
+            </p:nvSpPr>
+            <p:spPr>
+              <a:xfrm>
+                <a:off x="2710498" y="4235972"/>
+                <a:ext cx="475676" cy="249383"/>
+              </a:xfrm>
+              <a:prstGeom prst="rect">
+                <a:avLst/>
+              </a:prstGeom>
+              <a:solidFill>
+                <a:srgbClr val="767171"/>
+              </a:solidFill>
+              <a:ln>
+                <a:solidFill>
+                  <a:srgbClr val="767171"/>
+                </a:solidFill>
+              </a:ln>
+            </p:spPr>
+            <p:style>
+              <a:lnRef idx="2">
+                <a:schemeClr val="accent1">
+                  <a:shade val="50000"/>
+                </a:schemeClr>
+              </a:lnRef>
+              <a:fillRef idx="1">
+                <a:schemeClr val="accent1"/>
+              </a:fillRef>
+              <a:effectRef idx="0">
+                <a:schemeClr val="accent1"/>
+              </a:effectRef>
+              <a:fontRef idx="minor">
+                <a:schemeClr val="lt1"/>
+              </a:fontRef>
+            </p:style>
+            <p:txBody>
+              <a:bodyPr rtlCol="0" anchor="ctr"/>
+              <a:lstStyle/>
+              <a:p>
+                <a:pPr algn="ctr"/>
+                <a:endParaRPr kumimoji="1" lang="ja-JP" altLang="en-US" dirty="0"/>
+              </a:p>
+            </p:txBody>
+          </p:sp>
+          <p:sp>
+            <p:nvSpPr>
+              <p:cNvPr id="25" name="正方形/長方形 24"/>
+              <p:cNvSpPr/>
+              <p:nvPr/>
+            </p:nvSpPr>
+            <p:spPr>
+              <a:xfrm>
+                <a:off x="3175159" y="3782761"/>
+                <a:ext cx="226916" cy="502233"/>
+              </a:xfrm>
+              <a:prstGeom prst="rect">
+                <a:avLst/>
+              </a:prstGeom>
+              <a:solidFill>
+                <a:srgbClr val="625E5E"/>
+              </a:solidFill>
+              <a:ln>
+                <a:solidFill>
+                  <a:srgbClr val="767171"/>
+                </a:solidFill>
+              </a:ln>
+            </p:spPr>
+            <p:style>
+              <a:lnRef idx="2">
+                <a:schemeClr val="accent1">
+                  <a:shade val="50000"/>
+                </a:schemeClr>
+              </a:lnRef>
+              <a:fillRef idx="1">
+                <a:schemeClr val="accent1"/>
+              </a:fillRef>
+              <a:effectRef idx="0">
+                <a:schemeClr val="accent1"/>
+              </a:effectRef>
+              <a:fontRef idx="minor">
+                <a:schemeClr val="lt1"/>
+              </a:fontRef>
+            </p:style>
+            <p:txBody>
+              <a:bodyPr rtlCol="0" anchor="ctr"/>
+              <a:lstStyle/>
+              <a:p>
+                <a:pPr algn="ctr"/>
+                <a:endParaRPr kumimoji="1" lang="ja-JP" altLang="en-US" dirty="0"/>
+              </a:p>
+            </p:txBody>
+          </p:sp>
+          <p:sp>
+            <p:nvSpPr>
+              <p:cNvPr id="26" name="正方形/長方形 25"/>
+              <p:cNvSpPr/>
+              <p:nvPr/>
+            </p:nvSpPr>
+            <p:spPr>
+              <a:xfrm flipH="1">
+                <a:off x="2332181" y="4093909"/>
+                <a:ext cx="59621" cy="284128"/>
+              </a:xfrm>
+              <a:prstGeom prst="rect">
+                <a:avLst/>
+              </a:prstGeom>
+              <a:solidFill>
+                <a:srgbClr val="B69C7A"/>
+              </a:solidFill>
+              <a:ln>
+                <a:solidFill>
+                  <a:srgbClr val="B69C7A"/>
+                </a:solidFill>
+              </a:ln>
+            </p:spPr>
+            <p:style>
+              <a:lnRef idx="2">
+                <a:schemeClr val="accent1">
+                  <a:shade val="50000"/>
+                </a:schemeClr>
+              </a:lnRef>
+              <a:fillRef idx="1">
+                <a:schemeClr val="accent1"/>
+              </a:fillRef>
+              <a:effectRef idx="0">
+                <a:schemeClr val="accent1"/>
+              </a:effectRef>
+              <a:fontRef idx="minor">
+                <a:schemeClr val="lt1"/>
+              </a:fontRef>
+            </p:style>
+            <p:txBody>
+              <a:bodyPr rtlCol="0" anchor="ctr"/>
+              <a:lstStyle/>
+              <a:p>
+                <a:pPr algn="ctr"/>
+                <a:endParaRPr kumimoji="1" lang="ja-JP" altLang="en-US" dirty="0"/>
+              </a:p>
+            </p:txBody>
+          </p:sp>
+        </p:grpSp>
+        <p:sp>
+          <p:nvSpPr>
+            <p:cNvPr id="8" name="正方形/長方形 7"/>
+            <p:cNvSpPr/>
+            <p:nvPr/>
+          </p:nvSpPr>
+          <p:spPr>
+            <a:xfrm flipV="1">
+              <a:off x="3009375" y="2044913"/>
+              <a:ext cx="604555" cy="531891"/>
+            </a:xfrm>
+            <a:prstGeom prst="rect">
+              <a:avLst/>
+            </a:prstGeom>
+            <a:solidFill>
+              <a:srgbClr val="767171"/>
+            </a:solidFill>
+            <a:ln w="3175">
+              <a:solidFill>
+                <a:srgbClr val="767171"/>
+              </a:solidFill>
+            </a:ln>
+          </p:spPr>
+          <p:style>
+            <a:lnRef idx="2">
+              <a:schemeClr val="accent1">
+                <a:shade val="50000"/>
+              </a:schemeClr>
+            </a:lnRef>
+            <a:fillRef idx="1">
+              <a:schemeClr val="accent1"/>
+            </a:fillRef>
+            <a:effectRef idx="0">
+              <a:schemeClr val="accent1"/>
+            </a:effectRef>
+            <a:fontRef idx="minor">
+              <a:schemeClr val="lt1"/>
+            </a:fontRef>
+          </p:style>
+          <p:txBody>
+            <a:bodyPr rtlCol="0" anchor="ctr"/>
+            <a:lstStyle/>
+            <a:p>
+              <a:pPr algn="ctr"/>
+              <a:endParaRPr kumimoji="1" lang="ja-JP" altLang="en-US" dirty="0"/>
+            </a:p>
+          </p:txBody>
+        </p:sp>
+      </p:grpSp>
+      <p:sp>
+        <p:nvSpPr>
+          <p:cNvPr id="4" name="弦 3"/>
+          <p:cNvSpPr/>
+          <p:nvPr/>
+        </p:nvSpPr>
+        <p:spPr>
+          <a:xfrm rot="10800000">
+            <a:off x="4360302" y="1803692"/>
+            <a:ext cx="1267755" cy="1199130"/>
+          </a:xfrm>
+          <a:prstGeom prst="chord">
+            <a:avLst>
+              <a:gd name="adj1" fmla="val 5592019"/>
+              <a:gd name="adj2" fmla="val 15836728"/>
+            </a:avLst>
+          </a:prstGeom>
+        </p:spPr>
+        <p:style>
+          <a:lnRef idx="2">
+            <a:schemeClr val="accent1">
+              <a:shade val="50000"/>
+            </a:schemeClr>
+          </a:lnRef>
+          <a:fillRef idx="1">
+            <a:schemeClr val="accent1"/>
+          </a:fillRef>
+          <a:effectRef idx="0">
+            <a:schemeClr val="accent1"/>
+          </a:effectRef>
+          <a:fontRef idx="minor">
+            <a:schemeClr val="lt1"/>
+          </a:fontRef>
+        </p:style>
+        <p:txBody>
+          <a:bodyPr rtlCol="0" anchor="ctr"/>
+          <a:lstStyle/>
+          <a:p>
+            <a:pPr algn="ctr"/>
+            <a:endParaRPr kumimoji="1" lang="ja-JP" altLang="en-US"/>
+          </a:p>
+        </p:txBody>
+      </p:sp>
+      <p:sp>
+        <p:nvSpPr>
+          <p:cNvPr id="5" name="弦 4"/>
+          <p:cNvSpPr/>
+          <p:nvPr/>
+        </p:nvSpPr>
+        <p:spPr>
+          <a:xfrm rot="21291751">
+            <a:off x="4374259" y="1803691"/>
+            <a:ext cx="1267755" cy="1199130"/>
+          </a:xfrm>
+          <a:prstGeom prst="chord">
+            <a:avLst>
+              <a:gd name="adj1" fmla="val 5592019"/>
+              <a:gd name="adj2" fmla="val 16005880"/>
+            </a:avLst>
+          </a:prstGeom>
+          <a:noFill/>
+        </p:spPr>
+        <p:style>
+          <a:lnRef idx="2">
+            <a:schemeClr val="accent1">
+              <a:shade val="50000"/>
+            </a:schemeClr>
+          </a:lnRef>
+          <a:fillRef idx="1">
+            <a:schemeClr val="accent1"/>
+          </a:fillRef>
+          <a:effectRef idx="0">
+            <a:schemeClr val="accent1"/>
+          </a:effectRef>
+          <a:fontRef idx="minor">
+            <a:schemeClr val="lt1"/>
+          </a:fontRef>
+        </p:style>
+        <p:txBody>
+          <a:bodyPr rtlCol="0" anchor="ctr"/>
+          <a:lstStyle/>
+          <a:p>
+            <a:pPr algn="ctr"/>
+            <a:endParaRPr kumimoji="1" lang="ja-JP" altLang="en-US"/>
+          </a:p>
+        </p:txBody>
+      </p:sp>
+    </p:spTree>
+    <p:extLst>
+      <p:ext uri="{BB962C8B-B14F-4D97-AF65-F5344CB8AC3E}">
+        <p14:creationId xmlns:p14="http://schemas.microsoft.com/office/powerpoint/2010/main" val="2240658014"/>
+      </p:ext>
+    </p:extLst>
+  </p:cSld>
+  <p:clrMapOvr>
+    <a:masterClrMapping/>
+  </p:clrMapOvr>
+</p:sld>
+</file>
+
+<file path=ppt/slides/slide31.xml><?xml version="1.0" encoding="utf-8"?>
+<p:sld xmlns:a="http://schemas.openxmlformats.org/drawingml/2006/main" xmlns:r="http://schemas.openxmlformats.org/officeDocument/2006/relationships" xmlns:p="http://schemas.openxmlformats.org/presentationml/2006/main">
+  <p:cSld>
+    <p:spTree>
+      <p:nvGrpSpPr>
+        <p:cNvPr id="1" name=""/>
+        <p:cNvGrpSpPr/>
+        <p:nvPr/>
+      </p:nvGrpSpPr>
+      <p:grpSpPr>
+        <a:xfrm>
+          <a:off x="0" y="0"/>
+          <a:ext cx="0" cy="0"/>
+          <a:chOff x="0" y="0"/>
+          <a:chExt cx="0" cy="0"/>
+        </a:xfrm>
+      </p:grpSpPr>
+      <p:grpSp>
+        <p:nvGrpSpPr>
+          <p:cNvPr id="6" name="グループ化 5"/>
+          <p:cNvGrpSpPr/>
+          <p:nvPr/>
+        </p:nvGrpSpPr>
+        <p:grpSpPr>
+          <a:xfrm flipH="1">
+            <a:off x="6051573" y="2625729"/>
+            <a:ext cx="693139" cy="777974"/>
+            <a:chOff x="1423734" y="2044913"/>
+            <a:chExt cx="2253227" cy="2660290"/>
+          </a:xfrm>
+        </p:grpSpPr>
+        <p:grpSp>
+          <p:nvGrpSpPr>
+            <p:cNvPr id="7" name="グループ化 6"/>
+            <p:cNvGrpSpPr/>
+            <p:nvPr/>
+          </p:nvGrpSpPr>
+          <p:grpSpPr>
+            <a:xfrm>
+              <a:off x="1423734" y="2044914"/>
+              <a:ext cx="2253227" cy="2660289"/>
+              <a:chOff x="1148848" y="2284629"/>
+              <a:chExt cx="2253227" cy="2660289"/>
+            </a:xfrm>
+          </p:grpSpPr>
+          <p:sp>
+            <p:nvSpPr>
+              <p:cNvPr id="9" name="正方形/長方形 8"/>
+              <p:cNvSpPr/>
+              <p:nvPr/>
+            </p:nvSpPr>
+            <p:spPr>
+              <a:xfrm>
+                <a:off x="1542473" y="3112655"/>
+                <a:ext cx="220518" cy="452580"/>
+              </a:xfrm>
+              <a:prstGeom prst="rect">
+                <a:avLst/>
+              </a:prstGeom>
+              <a:solidFill>
+                <a:srgbClr val="C5F8FF"/>
+              </a:solidFill>
+              <a:ln>
+                <a:solidFill>
+                  <a:srgbClr val="C5F8FF"/>
+                </a:solidFill>
+              </a:ln>
+            </p:spPr>
+            <p:style>
+              <a:lnRef idx="2">
+                <a:schemeClr val="accent1">
+                  <a:shade val="50000"/>
+                </a:schemeClr>
+              </a:lnRef>
+              <a:fillRef idx="1">
+                <a:schemeClr val="accent1"/>
+              </a:fillRef>
+              <a:effectRef idx="0">
+                <a:schemeClr val="accent1"/>
+              </a:effectRef>
+              <a:fontRef idx="minor">
+                <a:schemeClr val="lt1"/>
+              </a:fontRef>
+            </p:style>
+            <p:txBody>
+              <a:bodyPr rtlCol="0" anchor="ctr"/>
+              <a:lstStyle/>
+              <a:p>
+                <a:pPr algn="ctr"/>
+                <a:endParaRPr kumimoji="1" lang="ja-JP" altLang="en-US" dirty="0"/>
+              </a:p>
+            </p:txBody>
+          </p:sp>
+          <p:sp>
+            <p:nvSpPr>
+              <p:cNvPr id="10" name="正方形/長方形 9"/>
+              <p:cNvSpPr/>
+              <p:nvPr/>
+            </p:nvSpPr>
+            <p:spPr>
+              <a:xfrm>
+                <a:off x="2110508" y="3112654"/>
+                <a:ext cx="241617" cy="452581"/>
+              </a:xfrm>
+              <a:prstGeom prst="rect">
+                <a:avLst/>
+              </a:prstGeom>
+              <a:solidFill>
+                <a:srgbClr val="C5F8FF"/>
+              </a:solidFill>
+              <a:ln>
+                <a:solidFill>
+                  <a:srgbClr val="C5F8FF"/>
+                </a:solidFill>
+              </a:ln>
+            </p:spPr>
+            <p:style>
+              <a:lnRef idx="2">
+                <a:schemeClr val="accent1">
+                  <a:shade val="50000"/>
+                </a:schemeClr>
+              </a:lnRef>
+              <a:fillRef idx="1">
+                <a:schemeClr val="accent1"/>
+              </a:fillRef>
+              <a:effectRef idx="0">
+                <a:schemeClr val="accent1"/>
+              </a:effectRef>
+              <a:fontRef idx="minor">
+                <a:schemeClr val="lt1"/>
+              </a:fontRef>
+            </p:style>
+            <p:txBody>
+              <a:bodyPr rtlCol="0" anchor="ctr"/>
+              <a:lstStyle/>
+              <a:p>
+                <a:pPr algn="ctr"/>
+                <a:endParaRPr kumimoji="1" lang="ja-JP" altLang="en-US" dirty="0"/>
+              </a:p>
+            </p:txBody>
+          </p:sp>
+          <p:sp>
+            <p:nvSpPr>
+              <p:cNvPr id="11" name="正方形/長方形 10"/>
+              <p:cNvSpPr/>
+              <p:nvPr/>
+            </p:nvSpPr>
+            <p:spPr>
+              <a:xfrm>
+                <a:off x="1148848" y="3551166"/>
+                <a:ext cx="1477818" cy="267855"/>
+              </a:xfrm>
+              <a:prstGeom prst="rect">
+                <a:avLst/>
+              </a:prstGeom>
+              <a:solidFill>
+                <a:schemeClr val="bg2">
+                  <a:lumMod val="50000"/>
+                </a:schemeClr>
+              </a:solidFill>
+              <a:ln w="3175">
+                <a:solidFill>
+                  <a:schemeClr val="bg2">
+                    <a:lumMod val="50000"/>
+                  </a:schemeClr>
+                </a:solidFill>
+              </a:ln>
+            </p:spPr>
+            <p:style>
+              <a:lnRef idx="2">
+                <a:schemeClr val="accent1">
+                  <a:shade val="50000"/>
+                </a:schemeClr>
+              </a:lnRef>
+              <a:fillRef idx="1">
+                <a:schemeClr val="accent1"/>
+              </a:fillRef>
+              <a:effectRef idx="0">
+                <a:schemeClr val="accent1"/>
+              </a:effectRef>
+              <a:fontRef idx="minor">
+                <a:schemeClr val="lt1"/>
+              </a:fontRef>
+            </p:style>
+            <p:txBody>
+              <a:bodyPr rtlCol="0" anchor="ctr"/>
+              <a:lstStyle/>
+              <a:p>
+                <a:pPr algn="ctr"/>
+                <a:endParaRPr kumimoji="1" lang="ja-JP" altLang="en-US" dirty="0"/>
+              </a:p>
+            </p:txBody>
+          </p:sp>
+          <p:sp>
+            <p:nvSpPr>
+              <p:cNvPr id="12" name="正方形/長方形 11"/>
+              <p:cNvSpPr/>
+              <p:nvPr/>
+            </p:nvSpPr>
+            <p:spPr>
+              <a:xfrm>
+                <a:off x="2304101" y="3133221"/>
+                <a:ext cx="318655" cy="438726"/>
+              </a:xfrm>
+              <a:prstGeom prst="rect">
+                <a:avLst/>
+              </a:prstGeom>
+              <a:solidFill>
+                <a:schemeClr val="bg2">
+                  <a:lumMod val="50000"/>
+                </a:schemeClr>
+              </a:solidFill>
+              <a:ln w="3175">
+                <a:solidFill>
+                  <a:schemeClr val="bg2">
+                    <a:lumMod val="50000"/>
+                  </a:schemeClr>
+                </a:solidFill>
+              </a:ln>
+            </p:spPr>
+            <p:style>
+              <a:lnRef idx="2">
+                <a:schemeClr val="accent1">
+                  <a:shade val="50000"/>
+                </a:schemeClr>
+              </a:lnRef>
+              <a:fillRef idx="1">
+                <a:schemeClr val="accent1"/>
+              </a:fillRef>
+              <a:effectRef idx="0">
+                <a:schemeClr val="accent1"/>
+              </a:effectRef>
+              <a:fontRef idx="minor">
+                <a:schemeClr val="lt1"/>
+              </a:fontRef>
+            </p:style>
+            <p:txBody>
+              <a:bodyPr rtlCol="0" anchor="ctr"/>
+              <a:lstStyle/>
+              <a:p>
+                <a:pPr algn="ctr"/>
+                <a:endParaRPr kumimoji="1" lang="ja-JP" altLang="en-US" dirty="0"/>
+              </a:p>
+            </p:txBody>
+          </p:sp>
+          <p:sp>
+            <p:nvSpPr>
+              <p:cNvPr id="13" name="正方形/長方形 12"/>
+              <p:cNvSpPr/>
+              <p:nvPr/>
+            </p:nvSpPr>
+            <p:spPr>
+              <a:xfrm>
+                <a:off x="2327106" y="2829761"/>
+                <a:ext cx="299717" cy="438726"/>
+              </a:xfrm>
+              <a:prstGeom prst="rect">
+                <a:avLst/>
+              </a:prstGeom>
+              <a:solidFill>
+                <a:schemeClr val="bg2">
+                  <a:lumMod val="50000"/>
+                </a:schemeClr>
+              </a:solidFill>
+              <a:ln w="3175">
+                <a:solidFill>
+                  <a:schemeClr val="bg2">
+                    <a:lumMod val="50000"/>
+                  </a:schemeClr>
+                </a:solidFill>
+              </a:ln>
+            </p:spPr>
+            <p:style>
+              <a:lnRef idx="2">
+                <a:schemeClr val="accent1">
+                  <a:shade val="50000"/>
+                </a:schemeClr>
+              </a:lnRef>
+              <a:fillRef idx="1">
+                <a:schemeClr val="accent1"/>
+              </a:fillRef>
+              <a:effectRef idx="0">
+                <a:schemeClr val="accent1"/>
+              </a:effectRef>
+              <a:fontRef idx="minor">
+                <a:schemeClr val="lt1"/>
+              </a:fontRef>
+            </p:style>
+            <p:txBody>
+              <a:bodyPr rtlCol="0" anchor="ctr"/>
+              <a:lstStyle/>
+              <a:p>
+                <a:pPr algn="ctr"/>
+                <a:endParaRPr kumimoji="1" lang="ja-JP" altLang="en-US" dirty="0"/>
+              </a:p>
+            </p:txBody>
+          </p:sp>
+          <p:sp>
+            <p:nvSpPr>
+              <p:cNvPr id="14" name="正方形/長方形 13"/>
+              <p:cNvSpPr/>
+              <p:nvPr/>
+            </p:nvSpPr>
+            <p:spPr>
+              <a:xfrm>
+                <a:off x="2503610" y="2824496"/>
+                <a:ext cx="835434" cy="274303"/>
+              </a:xfrm>
+              <a:prstGeom prst="rect">
+                <a:avLst/>
+              </a:prstGeom>
+              <a:solidFill>
+                <a:srgbClr val="767171"/>
+              </a:solidFill>
+              <a:ln w="3175">
+                <a:solidFill>
+                  <a:srgbClr val="767171"/>
+                </a:solidFill>
+              </a:ln>
+            </p:spPr>
+            <p:style>
+              <a:lnRef idx="2">
+                <a:schemeClr val="accent1">
+                  <a:shade val="50000"/>
+                </a:schemeClr>
+              </a:lnRef>
+              <a:fillRef idx="1">
+                <a:schemeClr val="accent1"/>
+              </a:fillRef>
+              <a:effectRef idx="0">
+                <a:schemeClr val="accent1"/>
+              </a:effectRef>
+              <a:fontRef idx="minor">
+                <a:schemeClr val="lt1"/>
+              </a:fontRef>
+            </p:style>
+            <p:txBody>
+              <a:bodyPr rtlCol="0" anchor="ctr"/>
+              <a:lstStyle/>
+              <a:p>
+                <a:pPr algn="ctr"/>
+                <a:endParaRPr kumimoji="1" lang="ja-JP" altLang="en-US" dirty="0"/>
+              </a:p>
+            </p:txBody>
+          </p:sp>
+          <p:sp>
+            <p:nvSpPr>
+              <p:cNvPr id="15" name="正方形/長方形 14"/>
+              <p:cNvSpPr/>
+              <p:nvPr/>
+            </p:nvSpPr>
+            <p:spPr>
+              <a:xfrm>
+                <a:off x="1286078" y="2819185"/>
+                <a:ext cx="1066048" cy="307325"/>
+              </a:xfrm>
+              <a:prstGeom prst="rect">
+                <a:avLst/>
+              </a:prstGeom>
+              <a:solidFill>
+                <a:schemeClr val="bg2">
+                  <a:lumMod val="50000"/>
+                </a:schemeClr>
+              </a:solidFill>
+              <a:ln w="3175">
+                <a:solidFill>
+                  <a:schemeClr val="bg2">
+                    <a:lumMod val="50000"/>
+                  </a:schemeClr>
+                </a:solidFill>
+              </a:ln>
+            </p:spPr>
+            <p:style>
+              <a:lnRef idx="2">
+                <a:schemeClr val="accent1">
+                  <a:shade val="50000"/>
+                </a:schemeClr>
+              </a:lnRef>
+              <a:fillRef idx="1">
+                <a:schemeClr val="accent1"/>
+              </a:fillRef>
+              <a:effectRef idx="0">
+                <a:schemeClr val="accent1"/>
+              </a:effectRef>
+              <a:fontRef idx="minor">
+                <a:schemeClr val="lt1"/>
+              </a:fontRef>
+            </p:style>
+            <p:txBody>
+              <a:bodyPr rtlCol="0" anchor="ctr"/>
+              <a:lstStyle/>
+              <a:p>
+                <a:pPr algn="ctr"/>
+                <a:endParaRPr kumimoji="1" lang="ja-JP" altLang="en-US" dirty="0"/>
+              </a:p>
+            </p:txBody>
+          </p:sp>
+          <p:sp>
+            <p:nvSpPr>
+              <p:cNvPr id="16" name="正方形/長方形 15"/>
+              <p:cNvSpPr/>
+              <p:nvPr/>
+            </p:nvSpPr>
+            <p:spPr>
+              <a:xfrm>
+                <a:off x="1922474" y="2284629"/>
+                <a:ext cx="569034" cy="531891"/>
+              </a:xfrm>
+              <a:prstGeom prst="rect">
+                <a:avLst/>
+              </a:prstGeom>
+              <a:solidFill>
+                <a:srgbClr val="767171"/>
+              </a:solidFill>
+              <a:ln w="3175">
+                <a:solidFill>
+                  <a:srgbClr val="767171"/>
+                </a:solidFill>
+              </a:ln>
+            </p:spPr>
+            <p:style>
+              <a:lnRef idx="2">
+                <a:schemeClr val="accent1">
+                  <a:shade val="50000"/>
+                </a:schemeClr>
+              </a:lnRef>
+              <a:fillRef idx="1">
+                <a:schemeClr val="accent1"/>
+              </a:fillRef>
+              <a:effectRef idx="0">
+                <a:schemeClr val="accent1"/>
+              </a:effectRef>
+              <a:fontRef idx="minor">
+                <a:schemeClr val="lt1"/>
+              </a:fontRef>
+            </p:style>
+            <p:txBody>
+              <a:bodyPr rtlCol="0" anchor="ctr"/>
+              <a:lstStyle/>
+              <a:p>
+                <a:pPr algn="ctr"/>
+                <a:endParaRPr kumimoji="1" lang="ja-JP" altLang="en-US" dirty="0"/>
+              </a:p>
+            </p:txBody>
+          </p:sp>
+          <p:sp>
+            <p:nvSpPr>
+              <p:cNvPr id="17" name="正方形/長方形 16"/>
+              <p:cNvSpPr/>
+              <p:nvPr/>
+            </p:nvSpPr>
+            <p:spPr>
+              <a:xfrm>
+                <a:off x="1764145" y="3098799"/>
+                <a:ext cx="337965" cy="445655"/>
+              </a:xfrm>
+              <a:prstGeom prst="rect">
+                <a:avLst/>
+              </a:prstGeom>
+              <a:solidFill>
+                <a:schemeClr val="bg2">
+                  <a:lumMod val="50000"/>
+                </a:schemeClr>
+              </a:solidFill>
+              <a:ln w="3175">
+                <a:solidFill>
+                  <a:schemeClr val="bg2">
+                    <a:lumMod val="50000"/>
+                  </a:schemeClr>
+                </a:solidFill>
+              </a:ln>
+            </p:spPr>
+            <p:style>
+              <a:lnRef idx="2">
+                <a:schemeClr val="accent1">
+                  <a:shade val="50000"/>
+                </a:schemeClr>
+              </a:lnRef>
+              <a:fillRef idx="1">
+                <a:schemeClr val="accent1"/>
+              </a:fillRef>
+              <a:effectRef idx="0">
+                <a:schemeClr val="accent1"/>
+              </a:effectRef>
+              <a:fontRef idx="minor">
+                <a:schemeClr val="lt1"/>
+              </a:fontRef>
+            </p:style>
+            <p:txBody>
+              <a:bodyPr rtlCol="0" anchor="ctr"/>
+              <a:lstStyle/>
+              <a:p>
+                <a:pPr algn="ctr"/>
+                <a:endParaRPr kumimoji="1" lang="ja-JP" altLang="en-US" dirty="0"/>
+              </a:p>
+            </p:txBody>
+          </p:sp>
+          <p:sp>
+            <p:nvSpPr>
+              <p:cNvPr id="18" name="正方形/長方形 17"/>
+              <p:cNvSpPr/>
+              <p:nvPr/>
+            </p:nvSpPr>
+            <p:spPr>
+              <a:xfrm>
+                <a:off x="1284924" y="3112654"/>
+                <a:ext cx="265948" cy="431799"/>
+              </a:xfrm>
+              <a:prstGeom prst="rect">
+                <a:avLst/>
+              </a:prstGeom>
+              <a:solidFill>
+                <a:schemeClr val="bg2">
+                  <a:lumMod val="50000"/>
+                </a:schemeClr>
+              </a:solidFill>
+              <a:ln w="3175">
+                <a:solidFill>
+                  <a:schemeClr val="bg2">
+                    <a:lumMod val="50000"/>
+                  </a:schemeClr>
+                </a:solidFill>
+              </a:ln>
+            </p:spPr>
+            <p:style>
+              <a:lnRef idx="2">
+                <a:schemeClr val="accent1">
+                  <a:shade val="50000"/>
+                </a:schemeClr>
+              </a:lnRef>
+              <a:fillRef idx="1">
+                <a:schemeClr val="accent1"/>
+              </a:fillRef>
+              <a:effectRef idx="0">
+                <a:schemeClr val="accent1"/>
+              </a:effectRef>
+              <a:fontRef idx="minor">
+                <a:schemeClr val="lt1"/>
+              </a:fontRef>
+            </p:style>
+            <p:txBody>
+              <a:bodyPr rtlCol="0" anchor="ctr"/>
+              <a:lstStyle/>
+              <a:p>
+                <a:pPr algn="ctr"/>
+                <a:endParaRPr kumimoji="1" lang="ja-JP" altLang="en-US" dirty="0"/>
+              </a:p>
+            </p:txBody>
+          </p:sp>
+          <p:sp>
+            <p:nvSpPr>
+              <p:cNvPr id="19" name="正方形/長方形 18"/>
+              <p:cNvSpPr/>
+              <p:nvPr/>
+            </p:nvSpPr>
+            <p:spPr>
+              <a:xfrm>
+                <a:off x="1604817" y="3819236"/>
+                <a:ext cx="886691" cy="290946"/>
+              </a:xfrm>
+              <a:prstGeom prst="rect">
+                <a:avLst/>
+              </a:prstGeom>
+              <a:solidFill>
+                <a:srgbClr val="966C42"/>
+              </a:solidFill>
+              <a:ln>
+                <a:solidFill>
+                  <a:srgbClr val="966C42"/>
+                </a:solidFill>
+              </a:ln>
+            </p:spPr>
+            <p:style>
+              <a:lnRef idx="2">
+                <a:schemeClr val="accent1">
+                  <a:shade val="50000"/>
+                </a:schemeClr>
+              </a:lnRef>
+              <a:fillRef idx="1">
+                <a:schemeClr val="accent1"/>
+              </a:fillRef>
+              <a:effectRef idx="0">
+                <a:schemeClr val="accent1"/>
+              </a:effectRef>
+              <a:fontRef idx="minor">
+                <a:schemeClr val="lt1"/>
+              </a:fontRef>
+            </p:style>
+            <p:txBody>
+              <a:bodyPr rtlCol="0" anchor="ctr"/>
+              <a:lstStyle/>
+              <a:p>
+                <a:pPr algn="ctr"/>
+                <a:endParaRPr kumimoji="1" lang="ja-JP" altLang="en-US" dirty="0"/>
+              </a:p>
+            </p:txBody>
+          </p:sp>
+          <p:sp>
+            <p:nvSpPr>
+              <p:cNvPr id="20" name="正方形/長方形 19"/>
+              <p:cNvSpPr/>
+              <p:nvPr/>
+            </p:nvSpPr>
+            <p:spPr>
+              <a:xfrm>
+                <a:off x="1604817" y="4112704"/>
+                <a:ext cx="886691" cy="290946"/>
+              </a:xfrm>
+              <a:prstGeom prst="rect">
+                <a:avLst/>
+              </a:prstGeom>
+              <a:solidFill>
+                <a:srgbClr val="B69C7A"/>
+              </a:solidFill>
+              <a:ln>
+                <a:solidFill>
+                  <a:srgbClr val="B69C7A"/>
+                </a:solidFill>
+              </a:ln>
+            </p:spPr>
+            <p:style>
+              <a:lnRef idx="2">
+                <a:schemeClr val="accent1">
+                  <a:shade val="50000"/>
+                </a:schemeClr>
+              </a:lnRef>
+              <a:fillRef idx="1">
+                <a:schemeClr val="accent1"/>
+              </a:fillRef>
+              <a:effectRef idx="0">
+                <a:schemeClr val="accent1"/>
+              </a:effectRef>
+              <a:fontRef idx="minor">
+                <a:schemeClr val="lt1"/>
+              </a:fontRef>
+            </p:style>
+            <p:txBody>
+              <a:bodyPr rtlCol="0" anchor="ctr"/>
+              <a:lstStyle/>
+              <a:p>
+                <a:pPr algn="ctr"/>
+                <a:endParaRPr kumimoji="1" lang="ja-JP" altLang="en-US" dirty="0"/>
+              </a:p>
+            </p:txBody>
+          </p:sp>
+          <p:sp>
+            <p:nvSpPr>
+              <p:cNvPr id="21" name="正方形/長方形 20"/>
+              <p:cNvSpPr/>
+              <p:nvPr/>
+            </p:nvSpPr>
+            <p:spPr>
+              <a:xfrm>
+                <a:off x="1604816" y="4387272"/>
+                <a:ext cx="1103743" cy="300177"/>
+              </a:xfrm>
+              <a:prstGeom prst="rect">
+                <a:avLst/>
+              </a:prstGeom>
+              <a:solidFill>
+                <a:srgbClr val="B69C7A"/>
+              </a:solidFill>
+              <a:ln>
+                <a:solidFill>
+                  <a:srgbClr val="B69C7A"/>
+                </a:solidFill>
+              </a:ln>
+            </p:spPr>
+            <p:style>
+              <a:lnRef idx="2">
+                <a:schemeClr val="accent1">
+                  <a:shade val="50000"/>
+                </a:schemeClr>
+              </a:lnRef>
+              <a:fillRef idx="1">
+                <a:schemeClr val="accent1"/>
+              </a:fillRef>
+              <a:effectRef idx="0">
+                <a:schemeClr val="accent1"/>
+              </a:effectRef>
+              <a:fontRef idx="minor">
+                <a:schemeClr val="lt1"/>
+              </a:fontRef>
+            </p:style>
+            <p:txBody>
+              <a:bodyPr rtlCol="0" anchor="ctr"/>
+              <a:lstStyle/>
+              <a:p>
+                <a:pPr algn="ctr"/>
+                <a:endParaRPr kumimoji="1" lang="ja-JP" altLang="en-US" dirty="0"/>
+              </a:p>
+            </p:txBody>
+          </p:sp>
+          <p:sp>
+            <p:nvSpPr>
+              <p:cNvPr id="22" name="正方形/長方形 21"/>
+              <p:cNvSpPr/>
+              <p:nvPr/>
+            </p:nvSpPr>
+            <p:spPr>
+              <a:xfrm>
+                <a:off x="1604815" y="4693221"/>
+                <a:ext cx="360216" cy="251697"/>
+              </a:xfrm>
+              <a:prstGeom prst="rect">
+                <a:avLst/>
+              </a:prstGeom>
+              <a:solidFill>
+                <a:srgbClr val="767171"/>
+              </a:solidFill>
+              <a:ln>
+                <a:solidFill>
+                  <a:srgbClr val="767171"/>
+                </a:solidFill>
+              </a:ln>
+            </p:spPr>
+            <p:style>
+              <a:lnRef idx="2">
+                <a:schemeClr val="accent1">
+                  <a:shade val="50000"/>
+                </a:schemeClr>
+              </a:lnRef>
+              <a:fillRef idx="1">
+                <a:schemeClr val="accent1"/>
+              </a:fillRef>
+              <a:effectRef idx="0">
+                <a:schemeClr val="accent1"/>
+              </a:effectRef>
+              <a:fontRef idx="minor">
+                <a:schemeClr val="lt1"/>
+              </a:fontRef>
+            </p:style>
+            <p:txBody>
+              <a:bodyPr rtlCol="0" anchor="ctr"/>
+              <a:lstStyle/>
+              <a:p>
+                <a:pPr algn="ctr"/>
+                <a:endParaRPr kumimoji="1" lang="ja-JP" altLang="en-US" dirty="0"/>
+              </a:p>
+            </p:txBody>
+          </p:sp>
+          <p:sp>
+            <p:nvSpPr>
+              <p:cNvPr id="23" name="正方形/長方形 22"/>
+              <p:cNvSpPr/>
+              <p:nvPr/>
+            </p:nvSpPr>
+            <p:spPr>
+              <a:xfrm>
+                <a:off x="2267952" y="4678218"/>
+                <a:ext cx="426756" cy="262090"/>
+              </a:xfrm>
+              <a:prstGeom prst="rect">
+                <a:avLst/>
+              </a:prstGeom>
+              <a:solidFill>
+                <a:srgbClr val="767171"/>
+              </a:solidFill>
+              <a:ln>
+                <a:solidFill>
+                  <a:srgbClr val="767171"/>
+                </a:solidFill>
+              </a:ln>
+            </p:spPr>
+            <p:style>
+              <a:lnRef idx="2">
+                <a:schemeClr val="accent1">
+                  <a:shade val="50000"/>
+                </a:schemeClr>
+              </a:lnRef>
+              <a:fillRef idx="1">
+                <a:schemeClr val="accent1"/>
+              </a:fillRef>
+              <a:effectRef idx="0">
+                <a:schemeClr val="accent1"/>
+              </a:effectRef>
+              <a:fontRef idx="minor">
+                <a:schemeClr val="lt1"/>
+              </a:fontRef>
+            </p:style>
+            <p:txBody>
+              <a:bodyPr rtlCol="0" anchor="ctr"/>
+              <a:lstStyle/>
+              <a:p>
+                <a:pPr algn="ctr"/>
+                <a:endParaRPr kumimoji="1" lang="ja-JP" altLang="en-US" dirty="0"/>
+              </a:p>
+            </p:txBody>
+          </p:sp>
+          <p:sp>
+            <p:nvSpPr>
+              <p:cNvPr id="24" name="正方形/長方形 23"/>
+              <p:cNvSpPr/>
+              <p:nvPr/>
+            </p:nvSpPr>
+            <p:spPr>
+              <a:xfrm>
+                <a:off x="2710498" y="4235972"/>
+                <a:ext cx="475676" cy="249383"/>
+              </a:xfrm>
+              <a:prstGeom prst="rect">
+                <a:avLst/>
+              </a:prstGeom>
+              <a:solidFill>
+                <a:srgbClr val="767171"/>
+              </a:solidFill>
+              <a:ln>
+                <a:solidFill>
+                  <a:srgbClr val="767171"/>
+                </a:solidFill>
+              </a:ln>
+            </p:spPr>
+            <p:style>
+              <a:lnRef idx="2">
+                <a:schemeClr val="accent1">
+                  <a:shade val="50000"/>
+                </a:schemeClr>
+              </a:lnRef>
+              <a:fillRef idx="1">
+                <a:schemeClr val="accent1"/>
+              </a:fillRef>
+              <a:effectRef idx="0">
+                <a:schemeClr val="accent1"/>
+              </a:effectRef>
+              <a:fontRef idx="minor">
+                <a:schemeClr val="lt1"/>
+              </a:fontRef>
+            </p:style>
+            <p:txBody>
+              <a:bodyPr rtlCol="0" anchor="ctr"/>
+              <a:lstStyle/>
+              <a:p>
+                <a:pPr algn="ctr"/>
+                <a:endParaRPr kumimoji="1" lang="ja-JP" altLang="en-US" dirty="0"/>
+              </a:p>
+            </p:txBody>
+          </p:sp>
+          <p:sp>
+            <p:nvSpPr>
+              <p:cNvPr id="25" name="正方形/長方形 24"/>
+              <p:cNvSpPr/>
+              <p:nvPr/>
+            </p:nvSpPr>
+            <p:spPr>
+              <a:xfrm>
+                <a:off x="3175159" y="3782761"/>
+                <a:ext cx="226916" cy="502233"/>
+              </a:xfrm>
+              <a:prstGeom prst="rect">
+                <a:avLst/>
+              </a:prstGeom>
+              <a:solidFill>
+                <a:srgbClr val="625E5E"/>
+              </a:solidFill>
+              <a:ln>
+                <a:solidFill>
+                  <a:srgbClr val="767171"/>
+                </a:solidFill>
+              </a:ln>
+            </p:spPr>
+            <p:style>
+              <a:lnRef idx="2">
+                <a:schemeClr val="accent1">
+                  <a:shade val="50000"/>
+                </a:schemeClr>
+              </a:lnRef>
+              <a:fillRef idx="1">
+                <a:schemeClr val="accent1"/>
+              </a:fillRef>
+              <a:effectRef idx="0">
+                <a:schemeClr val="accent1"/>
+              </a:effectRef>
+              <a:fontRef idx="minor">
+                <a:schemeClr val="lt1"/>
+              </a:fontRef>
+            </p:style>
+            <p:txBody>
+              <a:bodyPr rtlCol="0" anchor="ctr"/>
+              <a:lstStyle/>
+              <a:p>
+                <a:pPr algn="ctr"/>
+                <a:endParaRPr kumimoji="1" lang="ja-JP" altLang="en-US" dirty="0"/>
+              </a:p>
+            </p:txBody>
+          </p:sp>
+          <p:sp>
+            <p:nvSpPr>
+              <p:cNvPr id="26" name="正方形/長方形 25"/>
+              <p:cNvSpPr/>
+              <p:nvPr/>
+            </p:nvSpPr>
+            <p:spPr>
+              <a:xfrm flipH="1">
+                <a:off x="2332181" y="4093909"/>
+                <a:ext cx="59621" cy="284128"/>
+              </a:xfrm>
+              <a:prstGeom prst="rect">
+                <a:avLst/>
+              </a:prstGeom>
+              <a:solidFill>
+                <a:srgbClr val="B69C7A"/>
+              </a:solidFill>
+              <a:ln>
+                <a:solidFill>
+                  <a:srgbClr val="B69C7A"/>
+                </a:solidFill>
+              </a:ln>
+            </p:spPr>
+            <p:style>
+              <a:lnRef idx="2">
+                <a:schemeClr val="accent1">
+                  <a:shade val="50000"/>
+                </a:schemeClr>
+              </a:lnRef>
+              <a:fillRef idx="1">
+                <a:schemeClr val="accent1"/>
+              </a:fillRef>
+              <a:effectRef idx="0">
+                <a:schemeClr val="accent1"/>
+              </a:effectRef>
+              <a:fontRef idx="minor">
+                <a:schemeClr val="lt1"/>
+              </a:fontRef>
+            </p:style>
+            <p:txBody>
+              <a:bodyPr rtlCol="0" anchor="ctr"/>
+              <a:lstStyle/>
+              <a:p>
+                <a:pPr algn="ctr"/>
+                <a:endParaRPr kumimoji="1" lang="ja-JP" altLang="en-US" dirty="0"/>
+              </a:p>
+            </p:txBody>
+          </p:sp>
+        </p:grpSp>
+        <p:sp>
+          <p:nvSpPr>
+            <p:cNvPr id="8" name="正方形/長方形 7"/>
+            <p:cNvSpPr/>
+            <p:nvPr/>
+          </p:nvSpPr>
+          <p:spPr>
+            <a:xfrm flipV="1">
+              <a:off x="3009375" y="2044913"/>
+              <a:ext cx="604555" cy="531891"/>
+            </a:xfrm>
+            <a:prstGeom prst="rect">
+              <a:avLst/>
+            </a:prstGeom>
+            <a:solidFill>
+              <a:srgbClr val="767171"/>
+            </a:solidFill>
+            <a:ln w="3175">
+              <a:solidFill>
+                <a:srgbClr val="767171"/>
+              </a:solidFill>
+            </a:ln>
+          </p:spPr>
+          <p:style>
+            <a:lnRef idx="2">
+              <a:schemeClr val="accent1">
+                <a:shade val="50000"/>
+              </a:schemeClr>
+            </a:lnRef>
+            <a:fillRef idx="1">
+              <a:schemeClr val="accent1"/>
+            </a:fillRef>
+            <a:effectRef idx="0">
+              <a:schemeClr val="accent1"/>
+            </a:effectRef>
+            <a:fontRef idx="minor">
+              <a:schemeClr val="lt1"/>
+            </a:fontRef>
+          </p:style>
+          <p:txBody>
+            <a:bodyPr rtlCol="0" anchor="ctr"/>
+            <a:lstStyle/>
+            <a:p>
+              <a:pPr algn="ctr"/>
+              <a:endParaRPr kumimoji="1" lang="ja-JP" altLang="en-US" dirty="0"/>
+            </a:p>
+          </p:txBody>
+        </p:sp>
+      </p:grpSp>
+      <p:sp>
+        <p:nvSpPr>
+          <p:cNvPr id="4" name="弦 3"/>
+          <p:cNvSpPr/>
+          <p:nvPr/>
+        </p:nvSpPr>
+        <p:spPr>
+          <a:xfrm rot="5550449">
+            <a:off x="5694083" y="2394585"/>
+            <a:ext cx="1267755" cy="1199130"/>
+          </a:xfrm>
+          <a:prstGeom prst="chord">
+            <a:avLst>
+              <a:gd name="adj1" fmla="val 5592019"/>
+              <a:gd name="adj2" fmla="val 15836728"/>
+            </a:avLst>
+          </a:prstGeom>
+        </p:spPr>
+        <p:style>
+          <a:lnRef idx="2">
+            <a:schemeClr val="accent1">
+              <a:shade val="50000"/>
+            </a:schemeClr>
+          </a:lnRef>
+          <a:fillRef idx="1">
+            <a:schemeClr val="accent1"/>
+          </a:fillRef>
+          <a:effectRef idx="0">
+            <a:schemeClr val="accent1"/>
+          </a:effectRef>
+          <a:fontRef idx="minor">
+            <a:schemeClr val="lt1"/>
+          </a:fontRef>
+        </p:style>
+        <p:txBody>
+          <a:bodyPr rtlCol="0" anchor="ctr"/>
+          <a:lstStyle/>
+          <a:p>
+            <a:pPr algn="ctr"/>
+            <a:endParaRPr kumimoji="1" lang="ja-JP" altLang="en-US"/>
+          </a:p>
+        </p:txBody>
+      </p:sp>
+      <p:sp>
+        <p:nvSpPr>
+          <p:cNvPr id="5" name="弦 4"/>
+          <p:cNvSpPr/>
+          <p:nvPr/>
+        </p:nvSpPr>
+        <p:spPr>
+          <a:xfrm rot="16200000">
+            <a:off x="5694083" y="2338475"/>
+            <a:ext cx="1267755" cy="1199130"/>
+          </a:xfrm>
+          <a:prstGeom prst="chord">
+            <a:avLst>
+              <a:gd name="adj1" fmla="val 5592019"/>
+              <a:gd name="adj2" fmla="val 15836728"/>
+            </a:avLst>
+          </a:prstGeom>
+          <a:noFill/>
+        </p:spPr>
+        <p:style>
+          <a:lnRef idx="2">
+            <a:schemeClr val="accent1">
+              <a:shade val="50000"/>
+            </a:schemeClr>
+          </a:lnRef>
+          <a:fillRef idx="1">
+            <a:schemeClr val="accent1"/>
+          </a:fillRef>
+          <a:effectRef idx="0">
+            <a:schemeClr val="accent1"/>
+          </a:effectRef>
+          <a:fontRef idx="minor">
+            <a:schemeClr val="lt1"/>
+          </a:fontRef>
+        </p:style>
+        <p:txBody>
+          <a:bodyPr rtlCol="0" anchor="ctr"/>
+          <a:lstStyle/>
+          <a:p>
+            <a:pPr algn="ctr"/>
+            <a:endParaRPr kumimoji="1" lang="ja-JP" altLang="en-US"/>
+          </a:p>
+        </p:txBody>
+      </p:sp>
+      <p:cxnSp>
+        <p:nvCxnSpPr>
+          <p:cNvPr id="32" name="直線コネクタ 31"/>
+          <p:cNvCxnSpPr/>
+          <p:nvPr/>
+        </p:nvCxnSpPr>
+        <p:spPr>
+          <a:xfrm>
+            <a:off x="5269117" y="3571918"/>
+            <a:ext cx="2091350" cy="0"/>
+          </a:xfrm>
+          <a:prstGeom prst="line">
+            <a:avLst/>
+          </a:prstGeom>
+        </p:spPr>
+        <p:style>
+          <a:lnRef idx="1">
+            <a:schemeClr val="accent1"/>
+          </a:lnRef>
+          <a:fillRef idx="0">
+            <a:schemeClr val="accent1"/>
+          </a:fillRef>
+          <a:effectRef idx="0">
+            <a:schemeClr val="accent1"/>
+          </a:effectRef>
+          <a:fontRef idx="minor">
+            <a:schemeClr val="tx1"/>
+          </a:fontRef>
+        </p:style>
+      </p:cxnSp>
+      <p:sp>
+        <p:nvSpPr>
+          <p:cNvPr id="33" name="テキスト ボックス 32"/>
+          <p:cNvSpPr txBox="1"/>
+          <p:nvPr/>
+        </p:nvSpPr>
+        <p:spPr>
+          <a:xfrm>
+            <a:off x="5194409" y="2717199"/>
+            <a:ext cx="534082" cy="369332"/>
+          </a:xfrm>
+          <a:prstGeom prst="rect">
+            <a:avLst/>
+          </a:prstGeom>
+          <a:noFill/>
+        </p:spPr>
+        <p:txBody>
+          <a:bodyPr wrap="square" rtlCol="0">
+            <a:spAutoFit/>
+          </a:bodyPr>
+          <a:lstStyle/>
+          <a:p>
+            <a:r>
+              <a:rPr kumimoji="1" lang="ja-JP" altLang="en-US" dirty="0" smtClean="0"/>
+              <a:t>虹</a:t>
+            </a:r>
+            <a:endParaRPr kumimoji="1" lang="ja-JP" altLang="en-US" dirty="0"/>
+          </a:p>
+        </p:txBody>
+      </p:sp>
+      <p:sp>
+        <p:nvSpPr>
+          <p:cNvPr id="34" name="テキスト ボックス 33"/>
+          <p:cNvSpPr txBox="1"/>
+          <p:nvPr/>
+        </p:nvSpPr>
+        <p:spPr>
+          <a:xfrm>
+            <a:off x="5346809" y="2869599"/>
+            <a:ext cx="534082" cy="369332"/>
+          </a:xfrm>
+          <a:prstGeom prst="rect">
+            <a:avLst/>
+          </a:prstGeom>
+          <a:noFill/>
+        </p:spPr>
+        <p:txBody>
+          <a:bodyPr wrap="square" rtlCol="0">
+            <a:spAutoFit/>
+          </a:bodyPr>
+          <a:lstStyle/>
+          <a:p>
+            <a:r>
+              <a:rPr kumimoji="1" lang="ja-JP" altLang="en-US" dirty="0" smtClean="0"/>
+              <a:t>虹</a:t>
+            </a:r>
+            <a:endParaRPr kumimoji="1" lang="ja-JP" altLang="en-US" dirty="0"/>
+          </a:p>
+        </p:txBody>
+      </p:sp>
+      <p:sp>
+        <p:nvSpPr>
+          <p:cNvPr id="40" name="テキスト ボックス 39"/>
+          <p:cNvSpPr txBox="1"/>
+          <p:nvPr/>
+        </p:nvSpPr>
+        <p:spPr>
+          <a:xfrm>
+            <a:off x="6288393" y="3449482"/>
+            <a:ext cx="534082" cy="369332"/>
+          </a:xfrm>
+          <a:prstGeom prst="rect">
+            <a:avLst/>
+          </a:prstGeom>
+          <a:noFill/>
+        </p:spPr>
+        <p:txBody>
+          <a:bodyPr wrap="square" rtlCol="0">
+            <a:spAutoFit/>
+          </a:bodyPr>
+          <a:lstStyle/>
+          <a:p>
+            <a:r>
+              <a:rPr kumimoji="1" lang="ja-JP" altLang="en-US" dirty="0" smtClean="0"/>
+              <a:t>虹</a:t>
+            </a:r>
+            <a:endParaRPr kumimoji="1" lang="ja-JP" altLang="en-US" dirty="0"/>
+          </a:p>
+        </p:txBody>
+      </p:sp>
+      <p:sp>
+        <p:nvSpPr>
+          <p:cNvPr id="41" name="テキスト ボックス 40"/>
+          <p:cNvSpPr txBox="1"/>
+          <p:nvPr/>
+        </p:nvSpPr>
+        <p:spPr>
+          <a:xfrm>
+            <a:off x="6458471" y="3438987"/>
+            <a:ext cx="534082" cy="369332"/>
+          </a:xfrm>
+          <a:prstGeom prst="rect">
+            <a:avLst/>
+          </a:prstGeom>
+          <a:noFill/>
+        </p:spPr>
+        <p:txBody>
+          <a:bodyPr wrap="square" rtlCol="0">
+            <a:spAutoFit/>
+          </a:bodyPr>
+          <a:lstStyle/>
+          <a:p>
+            <a:r>
+              <a:rPr lang="ja-JP" altLang="en-US" dirty="0"/>
+              <a:t>　</a:t>
+            </a:r>
+            <a:endParaRPr kumimoji="1" lang="ja-JP" altLang="en-US" dirty="0"/>
+          </a:p>
+        </p:txBody>
+      </p:sp>
+    </p:spTree>
+    <p:extLst>
+      <p:ext uri="{BB962C8B-B14F-4D97-AF65-F5344CB8AC3E}">
+        <p14:creationId xmlns:p14="http://schemas.microsoft.com/office/powerpoint/2010/main" val="990202292"/>
+      </p:ext>
+    </p:extLst>
+  </p:cSld>
+  <p:clrMapOvr>
+    <a:masterClrMapping/>
+  </p:clrMapOvr>
 </p:sld>
 </file>
 

--- a/企画書もどき.pptx
+++ b/企画書もどき.pptx
@@ -36,6 +36,7 @@
     <p:sldId id="277" r:id="rId30"/>
     <p:sldId id="287" r:id="rId31"/>
     <p:sldId id="288" r:id="rId32"/>
+    <p:sldId id="289" r:id="rId33"/>
   </p:sldIdLst>
   <p:sldSz cx="12192000" cy="6858000"/>
   <p:notesSz cx="6858000" cy="9144000"/>
@@ -273,7 +274,7 @@
           <a:p>
             <a:fld id="{F0B1327D-CF30-47E1-A2E3-5A8813B6EC63}" type="datetimeFigureOut">
               <a:rPr kumimoji="1" lang="ja-JP" altLang="en-US" smtClean="0"/>
-              <a:t>2019/4/5</a:t>
+              <a:t>2019/4/8</a:t>
             </a:fld>
             <a:endParaRPr kumimoji="1" lang="ja-JP" altLang="en-US" dirty="0"/>
           </a:p>
@@ -475,7 +476,7 @@
           <a:p>
             <a:fld id="{F0B1327D-CF30-47E1-A2E3-5A8813B6EC63}" type="datetimeFigureOut">
               <a:rPr kumimoji="1" lang="ja-JP" altLang="en-US" smtClean="0"/>
-              <a:t>2019/4/5</a:t>
+              <a:t>2019/4/8</a:t>
             </a:fld>
             <a:endParaRPr kumimoji="1" lang="ja-JP" altLang="en-US" dirty="0"/>
           </a:p>
@@ -687,7 +688,7 @@
           <a:p>
             <a:fld id="{F0B1327D-CF30-47E1-A2E3-5A8813B6EC63}" type="datetimeFigureOut">
               <a:rPr kumimoji="1" lang="ja-JP" altLang="en-US" smtClean="0"/>
-              <a:t>2019/4/5</a:t>
+              <a:t>2019/4/8</a:t>
             </a:fld>
             <a:endParaRPr kumimoji="1" lang="ja-JP" altLang="en-US" dirty="0"/>
           </a:p>
@@ -889,7 +890,7 @@
           <a:p>
             <a:fld id="{F0B1327D-CF30-47E1-A2E3-5A8813B6EC63}" type="datetimeFigureOut">
               <a:rPr kumimoji="1" lang="ja-JP" altLang="en-US" smtClean="0"/>
-              <a:t>2019/4/5</a:t>
+              <a:t>2019/4/8</a:t>
             </a:fld>
             <a:endParaRPr kumimoji="1" lang="ja-JP" altLang="en-US" dirty="0"/>
           </a:p>
@@ -1135,7 +1136,7 @@
           <a:p>
             <a:fld id="{F0B1327D-CF30-47E1-A2E3-5A8813B6EC63}" type="datetimeFigureOut">
               <a:rPr kumimoji="1" lang="ja-JP" altLang="en-US" smtClean="0"/>
-              <a:t>2019/4/5</a:t>
+              <a:t>2019/4/8</a:t>
             </a:fld>
             <a:endParaRPr kumimoji="1" lang="ja-JP" altLang="en-US" dirty="0"/>
           </a:p>
@@ -1431,7 +1432,7 @@
           <a:p>
             <a:fld id="{F0B1327D-CF30-47E1-A2E3-5A8813B6EC63}" type="datetimeFigureOut">
               <a:rPr kumimoji="1" lang="ja-JP" altLang="en-US" smtClean="0"/>
-              <a:t>2019/4/5</a:t>
+              <a:t>2019/4/8</a:t>
             </a:fld>
             <a:endParaRPr kumimoji="1" lang="ja-JP" altLang="en-US" dirty="0"/>
           </a:p>
@@ -1862,7 +1863,7 @@
           <a:p>
             <a:fld id="{F0B1327D-CF30-47E1-A2E3-5A8813B6EC63}" type="datetimeFigureOut">
               <a:rPr kumimoji="1" lang="ja-JP" altLang="en-US" smtClean="0"/>
-              <a:t>2019/4/5</a:t>
+              <a:t>2019/4/8</a:t>
             </a:fld>
             <a:endParaRPr kumimoji="1" lang="ja-JP" altLang="en-US" dirty="0"/>
           </a:p>
@@ -1980,7 +1981,7 @@
           <a:p>
             <a:fld id="{F0B1327D-CF30-47E1-A2E3-5A8813B6EC63}" type="datetimeFigureOut">
               <a:rPr kumimoji="1" lang="ja-JP" altLang="en-US" smtClean="0"/>
-              <a:t>2019/4/5</a:t>
+              <a:t>2019/4/8</a:t>
             </a:fld>
             <a:endParaRPr kumimoji="1" lang="ja-JP" altLang="en-US" dirty="0"/>
           </a:p>
@@ -2075,7 +2076,7 @@
           <a:p>
             <a:fld id="{F0B1327D-CF30-47E1-A2E3-5A8813B6EC63}" type="datetimeFigureOut">
               <a:rPr kumimoji="1" lang="ja-JP" altLang="en-US" smtClean="0"/>
-              <a:t>2019/4/5</a:t>
+              <a:t>2019/4/8</a:t>
             </a:fld>
             <a:endParaRPr kumimoji="1" lang="ja-JP" altLang="en-US" dirty="0"/>
           </a:p>
@@ -2384,7 +2385,7 @@
           <a:p>
             <a:fld id="{F0B1327D-CF30-47E1-A2E3-5A8813B6EC63}" type="datetimeFigureOut">
               <a:rPr kumimoji="1" lang="ja-JP" altLang="en-US" smtClean="0"/>
-              <a:t>2019/4/5</a:t>
+              <a:t>2019/4/8</a:t>
             </a:fld>
             <a:endParaRPr kumimoji="1" lang="ja-JP" altLang="en-US" dirty="0"/>
           </a:p>
@@ -2637,7 +2638,7 @@
           <a:p>
             <a:fld id="{F0B1327D-CF30-47E1-A2E3-5A8813B6EC63}" type="datetimeFigureOut">
               <a:rPr kumimoji="1" lang="ja-JP" altLang="en-US" smtClean="0"/>
-              <a:t>2019/4/5</a:t>
+              <a:t>2019/4/8</a:t>
             </a:fld>
             <a:endParaRPr kumimoji="1" lang="ja-JP" altLang="en-US" dirty="0"/>
           </a:p>
@@ -2882,7 +2883,7 @@
           <a:p>
             <a:fld id="{F0B1327D-CF30-47E1-A2E3-5A8813B6EC63}" type="datetimeFigureOut">
               <a:rPr kumimoji="1" lang="ja-JP" altLang="en-US" smtClean="0"/>
-              <a:t>2019/4/5</a:t>
+              <a:t>2019/4/8</a:t>
             </a:fld>
             <a:endParaRPr kumimoji="1" lang="ja-JP" altLang="en-US" dirty="0"/>
           </a:p>
@@ -11759,7 +11760,7 @@
         </p:nvSpPr>
         <p:spPr>
           <a:xfrm>
-            <a:off x="925324" y="3226124"/>
+            <a:off x="1008985" y="3385090"/>
             <a:ext cx="5482196" cy="3103418"/>
           </a:xfrm>
           <a:prstGeom prst="rect">
@@ -11864,7 +11865,7 @@
         </p:nvSpPr>
         <p:spPr>
           <a:xfrm rot="5550449">
-            <a:off x="7617592" y="2723677"/>
+            <a:off x="6780813" y="2034487"/>
             <a:ext cx="1267755" cy="1199130"/>
           </a:xfrm>
           <a:prstGeom prst="chord">
@@ -11907,7 +11908,7 @@
         </p:nvSpPr>
         <p:spPr>
           <a:xfrm rot="16200000">
-            <a:off x="7579082" y="3546767"/>
+            <a:off x="6829374" y="2726155"/>
             <a:ext cx="1267755" cy="1199130"/>
           </a:xfrm>
           <a:prstGeom prst="chord">
@@ -11951,7 +11952,7 @@
         </p:nvGrpSpPr>
         <p:grpSpPr>
           <a:xfrm flipH="1">
-            <a:off x="8035550" y="3423154"/>
+            <a:off x="7103909" y="2679777"/>
             <a:ext cx="693139" cy="777974"/>
             <a:chOff x="1423734" y="2044913"/>
             <a:chExt cx="2253227" cy="2660290"/>
@@ -18116,6 +18117,104 @@
     <p:extLst>
       <p:ext uri="{BB962C8B-B14F-4D97-AF65-F5344CB8AC3E}">
         <p14:creationId xmlns:p14="http://schemas.microsoft.com/office/powerpoint/2010/main" val="990202292"/>
+      </p:ext>
+    </p:extLst>
+  </p:cSld>
+  <p:clrMapOvr>
+    <a:masterClrMapping/>
+  </p:clrMapOvr>
+</p:sld>
+</file>
+
+<file path=ppt/slides/slide32.xml><?xml version="1.0" encoding="utf-8"?>
+<p:sld xmlns:a="http://schemas.openxmlformats.org/drawingml/2006/main" xmlns:r="http://schemas.openxmlformats.org/officeDocument/2006/relationships" xmlns:p="http://schemas.openxmlformats.org/presentationml/2006/main">
+  <p:cSld>
+    <p:spTree>
+      <p:nvGrpSpPr>
+        <p:cNvPr id="1" name=""/>
+        <p:cNvGrpSpPr/>
+        <p:nvPr/>
+      </p:nvGrpSpPr>
+      <p:grpSpPr>
+        <a:xfrm>
+          <a:off x="0" y="0"/>
+          <a:ext cx="0" cy="0"/>
+          <a:chOff x="0" y="0"/>
+          <a:chExt cx="0" cy="0"/>
+        </a:xfrm>
+      </p:grpSpPr>
+      <p:sp>
+        <p:nvSpPr>
+          <p:cNvPr id="2" name="タイトル 1"/>
+          <p:cNvSpPr>
+            <a:spLocks noGrp="1"/>
+          </p:cNvSpPr>
+          <p:nvPr>
+            <p:ph type="title"/>
+          </p:nvPr>
+        </p:nvSpPr>
+        <p:spPr/>
+        <p:txBody>
+          <a:bodyPr/>
+          <a:lstStyle/>
+          <a:p>
+            <a:endParaRPr kumimoji="1" lang="ja-JP" altLang="en-US" dirty="0"/>
+          </a:p>
+        </p:txBody>
+      </p:sp>
+      <p:sp>
+        <p:nvSpPr>
+          <p:cNvPr id="3" name="コンテンツ プレースホルダー 2"/>
+          <p:cNvSpPr>
+            <a:spLocks noGrp="1"/>
+          </p:cNvSpPr>
+          <p:nvPr>
+            <p:ph idx="1"/>
+          </p:nvPr>
+        </p:nvSpPr>
+        <p:spPr/>
+        <p:txBody>
+          <a:bodyPr/>
+          <a:lstStyle/>
+          <a:p>
+            <a:pPr marL="0" indent="0">
+              <a:buNone/>
+            </a:pPr>
+            <a:r>
+              <a:rPr lang="ja-JP" altLang="en-US" dirty="0" smtClean="0"/>
+              <a:t>イヤゴのプロジェクトマージ</a:t>
+            </a:r>
+            <a:endParaRPr lang="en-US" altLang="ja-JP" dirty="0" smtClean="0"/>
+          </a:p>
+          <a:p>
+            <a:pPr marL="0" indent="0">
+              <a:buNone/>
+            </a:pPr>
+            <a:r>
+              <a:rPr kumimoji="1" lang="ja-JP" altLang="en-US" dirty="0" smtClean="0"/>
+              <a:t>プレイヤー</a:t>
+            </a:r>
+            <a:r>
+              <a:rPr kumimoji="1" lang="en-US" altLang="ja-JP" dirty="0" smtClean="0"/>
+              <a:t>(Item)</a:t>
+            </a:r>
+          </a:p>
+          <a:p>
+            <a:pPr marL="0" indent="0">
+              <a:buNone/>
+            </a:pPr>
+            <a:r>
+              <a:rPr lang="ja-JP" altLang="en-US" dirty="0" smtClean="0"/>
+              <a:t>ゴール演出</a:t>
+            </a:r>
+            <a:endParaRPr kumimoji="1" lang="ja-JP" altLang="en-US" dirty="0"/>
+          </a:p>
+        </p:txBody>
+      </p:sp>
+    </p:spTree>
+    <p:extLst>
+      <p:ext uri="{BB962C8B-B14F-4D97-AF65-F5344CB8AC3E}">
+        <p14:creationId xmlns:p14="http://schemas.microsoft.com/office/powerpoint/2010/main" val="3818863709"/>
       </p:ext>
     </p:extLst>
   </p:cSld>

--- a/企画書もどき.pptx
+++ b/企画書もどき.pptx
@@ -18113,6 +18113,126 @@
           </a:p>
         </p:txBody>
       </p:sp>
+      <p:sp>
+        <p:nvSpPr>
+          <p:cNvPr id="2" name="円/楕円 1"/>
+          <p:cNvSpPr/>
+          <p:nvPr/>
+        </p:nvSpPr>
+        <p:spPr>
+          <a:xfrm>
+            <a:off x="5552303" y="1919416"/>
+            <a:ext cx="1440250" cy="181233"/>
+          </a:xfrm>
+          <a:prstGeom prst="ellipse">
+            <a:avLst/>
+          </a:prstGeom>
+        </p:spPr>
+        <p:style>
+          <a:lnRef idx="2">
+            <a:schemeClr val="accent1">
+              <a:shade val="50000"/>
+            </a:schemeClr>
+          </a:lnRef>
+          <a:fillRef idx="1">
+            <a:schemeClr val="accent1"/>
+          </a:fillRef>
+          <a:effectRef idx="0">
+            <a:schemeClr val="accent1"/>
+          </a:effectRef>
+          <a:fontRef idx="minor">
+            <a:schemeClr val="lt1"/>
+          </a:fontRef>
+        </p:style>
+        <p:txBody>
+          <a:bodyPr rtlCol="0" anchor="ctr"/>
+          <a:lstStyle/>
+          <a:p>
+            <a:pPr algn="ctr"/>
+            <a:endParaRPr kumimoji="1" lang="ja-JP" altLang="en-US"/>
+          </a:p>
+        </p:txBody>
+      </p:sp>
+      <p:sp>
+        <p:nvSpPr>
+          <p:cNvPr id="31" name="円/楕円 30"/>
+          <p:cNvSpPr/>
+          <p:nvPr/>
+        </p:nvSpPr>
+        <p:spPr>
+          <a:xfrm>
+            <a:off x="4992668" y="1129984"/>
+            <a:ext cx="2396969" cy="435385"/>
+          </a:xfrm>
+          <a:prstGeom prst="ellipse">
+            <a:avLst/>
+          </a:prstGeom>
+        </p:spPr>
+        <p:style>
+          <a:lnRef idx="2">
+            <a:schemeClr val="accent1">
+              <a:shade val="50000"/>
+            </a:schemeClr>
+          </a:lnRef>
+          <a:fillRef idx="1">
+            <a:schemeClr val="accent1"/>
+          </a:fillRef>
+          <a:effectRef idx="0">
+            <a:schemeClr val="accent1"/>
+          </a:effectRef>
+          <a:fontRef idx="minor">
+            <a:schemeClr val="lt1"/>
+          </a:fontRef>
+        </p:style>
+        <p:txBody>
+          <a:bodyPr rtlCol="0" anchor="ctr"/>
+          <a:lstStyle/>
+          <a:p>
+            <a:pPr algn="ctr"/>
+            <a:endParaRPr kumimoji="1" lang="ja-JP" altLang="en-US"/>
+          </a:p>
+        </p:txBody>
+      </p:sp>
+      <p:sp>
+        <p:nvSpPr>
+          <p:cNvPr id="35" name="円/楕円 34"/>
+          <p:cNvSpPr/>
+          <p:nvPr/>
+        </p:nvSpPr>
+        <p:spPr>
+          <a:xfrm>
+            <a:off x="4597715" y="241342"/>
+            <a:ext cx="3195280" cy="622181"/>
+          </a:xfrm>
+          <a:prstGeom prst="ellipse">
+            <a:avLst/>
+          </a:prstGeom>
+        </p:spPr>
+        <p:style>
+          <a:lnRef idx="2">
+            <a:schemeClr val="accent1">
+              <a:shade val="50000"/>
+            </a:schemeClr>
+          </a:lnRef>
+          <a:fillRef idx="1">
+            <a:schemeClr val="accent1"/>
+          </a:fillRef>
+          <a:effectRef idx="0">
+            <a:schemeClr val="accent1"/>
+          </a:effectRef>
+          <a:fontRef idx="minor">
+            <a:schemeClr val="lt1"/>
+          </a:fontRef>
+        </p:style>
+        <p:txBody>
+          <a:bodyPr rtlCol="0" anchor="ctr"/>
+          <a:lstStyle/>
+          <a:p>
+            <a:pPr algn="ctr"/>
+            <a:endParaRPr kumimoji="1" lang="ja-JP" altLang="en-US"/>
+          </a:p>
+        </p:txBody>
+      </p:sp>
     </p:spTree>
     <p:extLst>
       <p:ext uri="{BB962C8B-B14F-4D97-AF65-F5344CB8AC3E}">
